--- a/SANSONE VITO/02_sansoneVito.pptx
+++ b/SANSONE VITO/02_sansoneVito.pptx
@@ -349,13 +349,13 @@
   <p:clrMapOvr>
     <a:masterClrMapping/>
   </p:clrMapOvr>
-  <mc:AlternateContent xmlns:mc="http://schemas.openxmlformats.org/markup-compatibility/2006">
-    <mc:Choice xmlns:p159="http://schemas.microsoft.com/office/powerpoint/2015/09/main" Requires="p159">
+  <mc:AlternateContent xmlns:mc="http://schemas.openxmlformats.org/markup-compatibility/2006" xmlns:p159="http://schemas.microsoft.com/office/powerpoint/2015/09/main">
+    <mc:Choice Requires="p159">
       <p:transition xmlns:p14="http://schemas.microsoft.com/office/powerpoint/2010/main" spd="slow" p14:dur="2000">
         <p159:morph option="byObject"/>
       </p:transition>
     </mc:Choice>
-    <mc:Fallback>
+    <mc:Fallback xmlns="">
       <p:transition spd="slow">
         <p:fade/>
       </p:transition>
@@ -560,13 +560,13 @@
   <p:clrMapOvr>
     <a:masterClrMapping/>
   </p:clrMapOvr>
-  <mc:AlternateContent xmlns:mc="http://schemas.openxmlformats.org/markup-compatibility/2006">
-    <mc:Choice xmlns:p159="http://schemas.microsoft.com/office/powerpoint/2015/09/main" Requires="p159">
+  <mc:AlternateContent xmlns:mc="http://schemas.openxmlformats.org/markup-compatibility/2006" xmlns:p159="http://schemas.microsoft.com/office/powerpoint/2015/09/main">
+    <mc:Choice Requires="p159">
       <p:transition xmlns:p14="http://schemas.microsoft.com/office/powerpoint/2010/main" spd="slow" p14:dur="2000">
         <p159:morph option="byObject"/>
       </p:transition>
     </mc:Choice>
-    <mc:Fallback>
+    <mc:Fallback xmlns="">
       <p:transition spd="slow">
         <p:fade/>
       </p:transition>
@@ -782,13 +782,13 @@
   <p:clrMapOvr>
     <a:masterClrMapping/>
   </p:clrMapOvr>
-  <mc:AlternateContent xmlns:mc="http://schemas.openxmlformats.org/markup-compatibility/2006">
-    <mc:Choice xmlns:p159="http://schemas.microsoft.com/office/powerpoint/2015/09/main" Requires="p159">
+  <mc:AlternateContent xmlns:mc="http://schemas.openxmlformats.org/markup-compatibility/2006" xmlns:p159="http://schemas.microsoft.com/office/powerpoint/2015/09/main">
+    <mc:Choice Requires="p159">
       <p:transition xmlns:p14="http://schemas.microsoft.com/office/powerpoint/2010/main" spd="slow" p14:dur="2000">
         <p159:morph option="byObject"/>
       </p:transition>
     </mc:Choice>
-    <mc:Fallback>
+    <mc:Fallback xmlns="">
       <p:transition spd="slow">
         <p:fade/>
       </p:transition>
@@ -992,13 +992,13 @@
   <p:clrMapOvr>
     <a:masterClrMapping/>
   </p:clrMapOvr>
-  <mc:AlternateContent xmlns:mc="http://schemas.openxmlformats.org/markup-compatibility/2006">
-    <mc:Choice xmlns:p159="http://schemas.microsoft.com/office/powerpoint/2015/09/main" Requires="p159">
+  <mc:AlternateContent xmlns:mc="http://schemas.openxmlformats.org/markup-compatibility/2006" xmlns:p159="http://schemas.microsoft.com/office/powerpoint/2015/09/main">
+    <mc:Choice Requires="p159">
       <p:transition xmlns:p14="http://schemas.microsoft.com/office/powerpoint/2010/main" spd="slow" p14:dur="2000">
         <p159:morph option="byObject"/>
       </p:transition>
     </mc:Choice>
-    <mc:Fallback>
+    <mc:Fallback xmlns="">
       <p:transition spd="slow">
         <p:fade/>
       </p:transition>
@@ -1282,13 +1282,13 @@
   <p:clrMapOvr>
     <a:masterClrMapping/>
   </p:clrMapOvr>
-  <mc:AlternateContent xmlns:mc="http://schemas.openxmlformats.org/markup-compatibility/2006">
-    <mc:Choice xmlns:p159="http://schemas.microsoft.com/office/powerpoint/2015/09/main" Requires="p159">
+  <mc:AlternateContent xmlns:mc="http://schemas.openxmlformats.org/markup-compatibility/2006" xmlns:p159="http://schemas.microsoft.com/office/powerpoint/2015/09/main">
+    <mc:Choice Requires="p159">
       <p:transition xmlns:p14="http://schemas.microsoft.com/office/powerpoint/2010/main" spd="slow" p14:dur="2000">
         <p159:morph option="byObject"/>
       </p:transition>
     </mc:Choice>
-    <mc:Fallback>
+    <mc:Fallback xmlns="">
       <p:transition spd="slow">
         <p:fade/>
       </p:transition>
@@ -1561,13 +1561,13 @@
   <p:clrMapOvr>
     <a:masterClrMapping/>
   </p:clrMapOvr>
-  <mc:AlternateContent xmlns:mc="http://schemas.openxmlformats.org/markup-compatibility/2006">
-    <mc:Choice xmlns:p159="http://schemas.microsoft.com/office/powerpoint/2015/09/main" Requires="p159">
+  <mc:AlternateContent xmlns:mc="http://schemas.openxmlformats.org/markup-compatibility/2006" xmlns:p159="http://schemas.microsoft.com/office/powerpoint/2015/09/main">
+    <mc:Choice Requires="p159">
       <p:transition xmlns:p14="http://schemas.microsoft.com/office/powerpoint/2010/main" spd="slow" p14:dur="2000">
         <p159:morph option="byObject"/>
       </p:transition>
     </mc:Choice>
-    <mc:Fallback>
+    <mc:Fallback xmlns="">
       <p:transition spd="slow">
         <p:fade/>
       </p:transition>
@@ -1987,13 +1987,13 @@
   <p:clrMapOvr>
     <a:masterClrMapping/>
   </p:clrMapOvr>
-  <mc:AlternateContent xmlns:mc="http://schemas.openxmlformats.org/markup-compatibility/2006">
-    <mc:Choice xmlns:p159="http://schemas.microsoft.com/office/powerpoint/2015/09/main" Requires="p159">
+  <mc:AlternateContent xmlns:mc="http://schemas.openxmlformats.org/markup-compatibility/2006" xmlns:p159="http://schemas.microsoft.com/office/powerpoint/2015/09/main">
+    <mc:Choice Requires="p159">
       <p:transition xmlns:p14="http://schemas.microsoft.com/office/powerpoint/2010/main" spd="slow" p14:dur="2000">
         <p159:morph option="byObject"/>
       </p:transition>
     </mc:Choice>
-    <mc:Fallback>
+    <mc:Fallback xmlns="">
       <p:transition spd="slow">
         <p:fade/>
       </p:transition>
@@ -2140,13 +2140,13 @@
   <p:clrMapOvr>
     <a:masterClrMapping/>
   </p:clrMapOvr>
-  <mc:AlternateContent xmlns:mc="http://schemas.openxmlformats.org/markup-compatibility/2006">
-    <mc:Choice xmlns:p159="http://schemas.microsoft.com/office/powerpoint/2015/09/main" Requires="p159">
+  <mc:AlternateContent xmlns:mc="http://schemas.openxmlformats.org/markup-compatibility/2006" xmlns:p159="http://schemas.microsoft.com/office/powerpoint/2015/09/main">
+    <mc:Choice Requires="p159">
       <p:transition xmlns:p14="http://schemas.microsoft.com/office/powerpoint/2010/main" spd="slow" p14:dur="2000">
         <p159:morph option="byObject"/>
       </p:transition>
     </mc:Choice>
-    <mc:Fallback>
+    <mc:Fallback xmlns="">
       <p:transition spd="slow">
         <p:fade/>
       </p:transition>
@@ -2265,13 +2265,13 @@
   <p:clrMapOvr>
     <a:masterClrMapping/>
   </p:clrMapOvr>
-  <mc:AlternateContent xmlns:mc="http://schemas.openxmlformats.org/markup-compatibility/2006">
-    <mc:Choice xmlns:p159="http://schemas.microsoft.com/office/powerpoint/2015/09/main" Requires="p159">
+  <mc:AlternateContent xmlns:mc="http://schemas.openxmlformats.org/markup-compatibility/2006" xmlns:p159="http://schemas.microsoft.com/office/powerpoint/2015/09/main">
+    <mc:Choice Requires="p159">
       <p:transition xmlns:p14="http://schemas.microsoft.com/office/powerpoint/2010/main" spd="slow" p14:dur="2000">
         <p159:morph option="byObject"/>
       </p:transition>
     </mc:Choice>
-    <mc:Fallback>
+    <mc:Fallback xmlns="">
       <p:transition spd="slow">
         <p:fade/>
       </p:transition>
@@ -2596,13 +2596,13 @@
   <p:clrMapOvr>
     <a:masterClrMapping/>
   </p:clrMapOvr>
-  <mc:AlternateContent xmlns:mc="http://schemas.openxmlformats.org/markup-compatibility/2006">
-    <mc:Choice xmlns:p159="http://schemas.microsoft.com/office/powerpoint/2015/09/main" Requires="p159">
+  <mc:AlternateContent xmlns:mc="http://schemas.openxmlformats.org/markup-compatibility/2006" xmlns:p159="http://schemas.microsoft.com/office/powerpoint/2015/09/main">
+    <mc:Choice Requires="p159">
       <p:transition xmlns:p14="http://schemas.microsoft.com/office/powerpoint/2010/main" spd="slow" p14:dur="2000">
         <p159:morph option="byObject"/>
       </p:transition>
     </mc:Choice>
-    <mc:Fallback>
+    <mc:Fallback xmlns="">
       <p:transition spd="slow">
         <p:fade/>
       </p:transition>
@@ -2905,13 +2905,13 @@
   <p:clrMapOvr>
     <a:masterClrMapping/>
   </p:clrMapOvr>
-  <mc:AlternateContent xmlns:mc="http://schemas.openxmlformats.org/markup-compatibility/2006">
-    <mc:Choice xmlns:p159="http://schemas.microsoft.com/office/powerpoint/2015/09/main" Requires="p159">
+  <mc:AlternateContent xmlns:mc="http://schemas.openxmlformats.org/markup-compatibility/2006" xmlns:p159="http://schemas.microsoft.com/office/powerpoint/2015/09/main">
+    <mc:Choice Requires="p159">
       <p:transition xmlns:p14="http://schemas.microsoft.com/office/powerpoint/2010/main" spd="slow" p14:dur="2000">
         <p159:morph option="byObject"/>
       </p:transition>
     </mc:Choice>
-    <mc:Fallback>
+    <mc:Fallback xmlns="">
       <p:transition spd="slow">
         <p:fade/>
       </p:transition>
@@ -3825,13 +3825,13 @@
     <p:sldLayoutId id="2147483730" r:id="rId10"/>
     <p:sldLayoutId id="2147483732" r:id="rId11"/>
   </p:sldLayoutIdLst>
-  <mc:AlternateContent xmlns:mc="http://schemas.openxmlformats.org/markup-compatibility/2006">
-    <mc:Choice xmlns:p159="http://schemas.microsoft.com/office/powerpoint/2015/09/main" Requires="p159">
+  <mc:AlternateContent xmlns:mc="http://schemas.openxmlformats.org/markup-compatibility/2006" xmlns:p159="http://schemas.microsoft.com/office/powerpoint/2015/09/main">
+    <mc:Choice Requires="p159">
       <p:transition xmlns:p14="http://schemas.microsoft.com/office/powerpoint/2010/main" spd="slow" p14:dur="2000">
         <p159:morph option="byObject"/>
       </p:transition>
     </mc:Choice>
-    <mc:Fallback>
+    <mc:Fallback xmlns="">
       <p:transition spd="slow">
         <p:fade/>
       </p:transition>
@@ -4583,13 +4583,13 @@
   <p:clrMapOvr>
     <a:overrideClrMapping bg1="dk1" tx1="lt1" bg2="dk2" tx2="lt2" accent1="accent1" accent2="accent2" accent3="accent3" accent4="accent4" accent5="accent5" accent6="accent6" hlink="hlink" folHlink="folHlink"/>
   </p:clrMapOvr>
-  <mc:AlternateContent xmlns:mc="http://schemas.openxmlformats.org/markup-compatibility/2006">
-    <mc:Choice xmlns:p159="http://schemas.microsoft.com/office/powerpoint/2015/09/main" Requires="p159">
+  <mc:AlternateContent xmlns:mc="http://schemas.openxmlformats.org/markup-compatibility/2006" xmlns:p159="http://schemas.microsoft.com/office/powerpoint/2015/09/main">
+    <mc:Choice Requires="p159">
       <p:transition xmlns:p14="http://schemas.microsoft.com/office/powerpoint/2010/main" spd="slow" p14:dur="2000">
         <p159:morph option="byObject"/>
       </p:transition>
     </mc:Choice>
-    <mc:Fallback>
+    <mc:Fallback xmlns="">
       <p:transition spd="slow">
         <p:fade/>
       </p:transition>
@@ -5225,13 +5225,13 @@
   <p:clrMapOvr>
     <a:masterClrMapping/>
   </p:clrMapOvr>
-  <mc:AlternateContent xmlns:mc="http://schemas.openxmlformats.org/markup-compatibility/2006">
-    <mc:Choice xmlns:p159="http://schemas.microsoft.com/office/powerpoint/2015/09/main" Requires="p159">
+  <mc:AlternateContent xmlns:mc="http://schemas.openxmlformats.org/markup-compatibility/2006" xmlns:p159="http://schemas.microsoft.com/office/powerpoint/2015/09/main">
+    <mc:Choice Requires="p159">
       <p:transition xmlns:p14="http://schemas.microsoft.com/office/powerpoint/2010/main" spd="slow" p14:dur="2500">
         <p159:morph option="byObject"/>
       </p:transition>
     </mc:Choice>
-    <mc:Fallback>
+    <mc:Fallback xmlns="">
       <p:transition spd="slow">
         <p:fade/>
       </p:transition>
@@ -6074,13 +6074,13 @@
   <p:clrMapOvr>
     <a:masterClrMapping/>
   </p:clrMapOvr>
-  <mc:AlternateContent xmlns:mc="http://schemas.openxmlformats.org/markup-compatibility/2006">
-    <mc:Choice xmlns:p159="http://schemas.microsoft.com/office/powerpoint/2015/09/main" Requires="p159">
+  <mc:AlternateContent xmlns:mc="http://schemas.openxmlformats.org/markup-compatibility/2006" xmlns:p159="http://schemas.microsoft.com/office/powerpoint/2015/09/main">
+    <mc:Choice Requires="p159">
       <p:transition xmlns:p14="http://schemas.microsoft.com/office/powerpoint/2010/main" spd="slow" p14:dur="2000">
         <p159:morph option="byObject"/>
       </p:transition>
     </mc:Choice>
-    <mc:Fallback>
+    <mc:Fallback xmlns="">
       <p:transition spd="slow">
         <p:fade/>
       </p:transition>
@@ -6223,7 +6223,7 @@
             <a:pPr algn="ctr"/>
             <a:r>
               <a:rPr lang="it-IT" sz="2800" b="1" dirty="0"/>
-              <a:t>(memoria di </a:t>
+              <a:t>(memoria </a:t>
             </a:r>
             <a:r>
               <a:rPr lang="it-IT" sz="2800" b="1" dirty="0" err="1"/>
@@ -6286,13 +6286,13 @@
   <p:clrMapOvr>
     <a:masterClrMapping/>
   </p:clrMapOvr>
-  <mc:AlternateContent xmlns:mc="http://schemas.openxmlformats.org/markup-compatibility/2006">
-    <mc:Choice xmlns:p159="http://schemas.microsoft.com/office/powerpoint/2015/09/main" Requires="p159">
+  <mc:AlternateContent xmlns:mc="http://schemas.openxmlformats.org/markup-compatibility/2006" xmlns:p159="http://schemas.microsoft.com/office/powerpoint/2015/09/main">
+    <mc:Choice Requires="p159">
       <p:transition xmlns:p14="http://schemas.microsoft.com/office/powerpoint/2010/main" spd="slow" p14:dur="2000">
         <p159:morph option="byObject"/>
       </p:transition>
     </mc:Choice>
-    <mc:Fallback>
+    <mc:Fallback xmlns="">
       <p:transition spd="slow">
         <p:fade/>
       </p:transition>
@@ -6996,13 +6996,13 @@
   <p:clrMapOvr>
     <a:masterClrMapping/>
   </p:clrMapOvr>
-  <mc:AlternateContent xmlns:mc="http://schemas.openxmlformats.org/markup-compatibility/2006">
-    <mc:Choice xmlns:p159="http://schemas.microsoft.com/office/powerpoint/2015/09/main" Requires="p159">
+  <mc:AlternateContent xmlns:mc="http://schemas.openxmlformats.org/markup-compatibility/2006" xmlns:p159="http://schemas.microsoft.com/office/powerpoint/2015/09/main">
+    <mc:Choice Requires="p159">
       <p:transition xmlns:p14="http://schemas.microsoft.com/office/powerpoint/2010/main" spd="slow" p14:dur="2000">
         <p159:morph option="byObject"/>
       </p:transition>
     </mc:Choice>
-    <mc:Fallback>
+    <mc:Fallback xmlns="">
       <p:transition spd="slow">
         <p:fade/>
       </p:transition>
@@ -7650,46 +7650,6 @@
       </p:sp>
       <p:sp>
         <p:nvSpPr>
-          <p:cNvPr id="47" name="CasellaDiTesto 46">
-            <a:extLst>
-              <a:ext uri="{FF2B5EF4-FFF2-40B4-BE49-F238E27FC236}">
-                <a16:creationId xmlns:a16="http://schemas.microsoft.com/office/drawing/2014/main" id="{CE6F7C92-0727-EDF5-8E74-C8D4DE413B44}"/>
-              </a:ext>
-            </a:extLst>
-          </p:cNvPr>
-          <p:cNvSpPr txBox="1"/>
-          <p:nvPr/>
-        </p:nvSpPr>
-        <p:spPr>
-          <a:xfrm>
-            <a:off x="8194170" y="3962400"/>
-            <a:ext cx="683132" cy="369332"/>
-          </a:xfrm>
-          <a:prstGeom prst="rect">
-            <a:avLst/>
-          </a:prstGeom>
-          <a:solidFill>
-            <a:schemeClr val="accent1">
-              <a:alpha val="38000"/>
-            </a:schemeClr>
-          </a:solidFill>
-        </p:spPr>
-        <p:txBody>
-          <a:bodyPr wrap="square" rtlCol="0">
-            <a:spAutoFit/>
-          </a:bodyPr>
-          <a:lstStyle/>
-          <a:p>
-            <a:pPr algn="ctr"/>
-            <a:r>
-              <a:rPr lang="it-IT" dirty="0"/>
-              <a:t>1</a:t>
-            </a:r>
-          </a:p>
-        </p:txBody>
-      </p:sp>
-      <p:sp>
-        <p:nvSpPr>
           <p:cNvPr id="48" name="CasellaDiTesto 47">
             <a:extLst>
               <a:ext uri="{FF2B5EF4-FFF2-40B4-BE49-F238E27FC236}">
@@ -8190,6 +8150,46 @@
           </a:p>
         </p:txBody>
       </p:sp>
+      <p:sp>
+        <p:nvSpPr>
+          <p:cNvPr id="3" name="CasellaDiTesto 2">
+            <a:extLst>
+              <a:ext uri="{FF2B5EF4-FFF2-40B4-BE49-F238E27FC236}">
+                <a16:creationId xmlns:a16="http://schemas.microsoft.com/office/drawing/2014/main" id="{5653676B-6951-07CF-DFCA-519B9209716A}"/>
+              </a:ext>
+            </a:extLst>
+          </p:cNvPr>
+          <p:cNvSpPr txBox="1"/>
+          <p:nvPr/>
+        </p:nvSpPr>
+        <p:spPr>
+          <a:xfrm>
+            <a:off x="8193646" y="3962399"/>
+            <a:ext cx="682085" cy="369332"/>
+          </a:xfrm>
+          <a:prstGeom prst="rect">
+            <a:avLst/>
+          </a:prstGeom>
+          <a:solidFill>
+            <a:schemeClr val="accent1">
+              <a:alpha val="38000"/>
+            </a:schemeClr>
+          </a:solidFill>
+        </p:spPr>
+        <p:txBody>
+          <a:bodyPr wrap="square" rtlCol="0">
+            <a:spAutoFit/>
+          </a:bodyPr>
+          <a:lstStyle/>
+          <a:p>
+            <a:pPr algn="ctr"/>
+            <a:r>
+              <a:rPr lang="it-IT" dirty="0"/>
+              <a:t>1</a:t>
+            </a:r>
+          </a:p>
+        </p:txBody>
+      </p:sp>
     </p:spTree>
     <p:extLst>
       <p:ext uri="{BB962C8B-B14F-4D97-AF65-F5344CB8AC3E}">
@@ -8200,13 +8200,13 @@
   <p:clrMapOvr>
     <a:masterClrMapping/>
   </p:clrMapOvr>
-  <mc:AlternateContent xmlns:mc="http://schemas.openxmlformats.org/markup-compatibility/2006">
-    <mc:Choice xmlns:p159="http://schemas.microsoft.com/office/powerpoint/2015/09/main" Requires="p159">
+  <mc:AlternateContent xmlns:mc="http://schemas.openxmlformats.org/markup-compatibility/2006" xmlns:p159="http://schemas.microsoft.com/office/powerpoint/2015/09/main">
+    <mc:Choice Requires="p159">
       <p:transition xmlns:p14="http://schemas.microsoft.com/office/powerpoint/2010/main" spd="slow" p14:dur="2000">
         <p159:morph option="byObject"/>
       </p:transition>
     </mc:Choice>
-    <mc:Fallback>
+    <mc:Fallback xmlns="">
       <p:transition spd="slow">
         <p:fade/>
       </p:transition>
@@ -8224,9 +8224,6 @@
                     <p:cTn id="3" fill="hold">
                       <p:stCondLst>
                         <p:cond delay="indefinite"/>
-                        <p:cond evt="onBegin" delay="0">
-                          <p:tn val="2"/>
-                        </p:cond>
                       </p:stCondLst>
                       <p:childTnLst>
                         <p:par>
@@ -8236,7 +8233,7 @@
                             </p:stCondLst>
                             <p:childTnLst>
                               <p:par>
-                                <p:cTn id="5" presetID="10" presetClass="exit" presetSubtype="0" fill="hold" grpId="0" nodeType="withEffect">
+                                <p:cTn id="5" presetID="10" presetClass="exit" presetSubtype="0" fill="hold" grpId="0" nodeType="clickEffect">
                                   <p:stCondLst>
                                     <p:cond delay="0"/>
                                   </p:stCondLst>
@@ -8270,29 +8267,117 @@
                                   </p:childTnLst>
                                 </p:cTn>
                               </p:par>
+                            </p:childTnLst>
+                          </p:cTn>
+                        </p:par>
+                        <p:par>
+                          <p:cTn id="8" fill="hold">
+                            <p:stCondLst>
+                              <p:cond delay="500"/>
+                            </p:stCondLst>
+                            <p:childTnLst>
                               <p:par>
-                                <p:cTn id="8" presetID="10" presetClass="exit" presetSubtype="0" fill="hold" grpId="0" nodeType="withEffect">
+                                <p:cTn id="9" presetID="10" presetClass="entr" presetSubtype="0" fill="hold" nodeType="afterEffect">
+                                  <p:stCondLst>
+                                    <p:cond delay="0"/>
+                                  </p:stCondLst>
+                                  <p:childTnLst>
+                                    <p:set>
+                                      <p:cBhvr>
+                                        <p:cTn id="10" dur="1" fill="hold">
+                                          <p:stCondLst>
+                                            <p:cond delay="0"/>
+                                          </p:stCondLst>
+                                        </p:cTn>
+                                        <p:tgtEl>
+                                          <p:spTgt spid="1026"/>
+                                        </p:tgtEl>
+                                        <p:attrNameLst>
+                                          <p:attrName>style.visibility</p:attrName>
+                                        </p:attrNameLst>
+                                      </p:cBhvr>
+                                      <p:to>
+                                        <p:strVal val="visible"/>
+                                      </p:to>
+                                    </p:set>
+                                    <p:animEffect transition="in" filter="fade">
+                                      <p:cBhvr>
+                                        <p:cTn id="11" dur="500"/>
+                                        <p:tgtEl>
+                                          <p:spTgt spid="1026"/>
+                                        </p:tgtEl>
+                                      </p:cBhvr>
+                                    </p:animEffect>
+                                  </p:childTnLst>
+                                </p:cTn>
+                              </p:par>
+                            </p:childTnLst>
+                          </p:cTn>
+                        </p:par>
+                        <p:par>
+                          <p:cTn id="12" fill="hold">
+                            <p:stCondLst>
+                              <p:cond delay="1000"/>
+                            </p:stCondLst>
+                            <p:childTnLst>
+                              <p:par>
+                                <p:cTn id="13" presetID="10" presetClass="entr" presetSubtype="0" fill="hold" grpId="0" nodeType="afterEffect">
+                                  <p:stCondLst>
+                                    <p:cond delay="0"/>
+                                  </p:stCondLst>
+                                  <p:childTnLst>
+                                    <p:set>
+                                      <p:cBhvr>
+                                        <p:cTn id="14" dur="1" fill="hold">
+                                          <p:stCondLst>
+                                            <p:cond delay="0"/>
+                                          </p:stCondLst>
+                                        </p:cTn>
+                                        <p:tgtEl>
+                                          <p:spTgt spid="12"/>
+                                        </p:tgtEl>
+                                        <p:attrNameLst>
+                                          <p:attrName>style.visibility</p:attrName>
+                                        </p:attrNameLst>
+                                      </p:cBhvr>
+                                      <p:to>
+                                        <p:strVal val="visible"/>
+                                      </p:to>
+                                    </p:set>
+                                    <p:animEffect transition="in" filter="fade">
+                                      <p:cBhvr>
+                                        <p:cTn id="15" dur="500"/>
+                                        <p:tgtEl>
+                                          <p:spTgt spid="12"/>
+                                        </p:tgtEl>
+                                      </p:cBhvr>
+                                    </p:animEffect>
+                                  </p:childTnLst>
+                                </p:cTn>
+                              </p:par>
+                              <p:par>
+                                <p:cTn id="16" presetID="10" presetClass="exit" presetSubtype="0" fill="hold" grpId="0" nodeType="withEffect">
                                   <p:stCondLst>
                                     <p:cond delay="0"/>
                                   </p:stCondLst>
                                   <p:childTnLst>
                                     <p:animEffect transition="out" filter="fade">
                                       <p:cBhvr>
-                                        <p:cTn id="9" dur="500"/>
+                                        <p:cTn id="17" dur="500"/>
                                         <p:tgtEl>
-                                          <p:spTgt spid="47"/>
+                                          <p:spTgt spid="3"/>
                                         </p:tgtEl>
                                       </p:cBhvr>
                                     </p:animEffect>
                                     <p:set>
                                       <p:cBhvr>
-                                        <p:cTn id="10" dur="1" fill="hold">
+                                        <p:cTn id="18" dur="1" fill="hold">
                                           <p:stCondLst>
                                             <p:cond delay="499"/>
                                           </p:stCondLst>
                                         </p:cTn>
                                         <p:tgtEl>
-                                          <p:spTgt spid="47"/>
+                                          <p:spTgt spid="3"/>
                                         </p:tgtEl>
                                         <p:attrNameLst>
                                           <p:attrName>style.visibility</p:attrName>
@@ -8305,15 +8390,112 @@
                                   </p:childTnLst>
                                 </p:cTn>
                               </p:par>
+                            </p:childTnLst>
+                          </p:cTn>
+                        </p:par>
+                        <p:par>
+                          <p:cTn id="19" fill="hold">
+                            <p:stCondLst>
+                              <p:cond delay="1500"/>
+                            </p:stCondLst>
+                            <p:childTnLst>
                               <p:par>
-                                <p:cTn id="11" presetID="10" presetClass="exit" presetSubtype="0" fill="hold" grpId="0" nodeType="withEffect">
+                                <p:cTn id="20" presetID="10" presetClass="entr" presetSubtype="0" fill="hold" nodeType="afterEffect">
+                                  <p:stCondLst>
+                                    <p:cond delay="0"/>
+                                  </p:stCondLst>
+                                  <p:childTnLst>
+                                    <p:set>
+                                      <p:cBhvr>
+                                        <p:cTn id="21" dur="1" fill="hold">
+                                          <p:stCondLst>
+                                            <p:cond delay="0"/>
+                                          </p:stCondLst>
+                                        </p:cTn>
+                                        <p:tgtEl>
+                                          <p:spTgt spid="9"/>
+                                        </p:tgtEl>
+                                        <p:attrNameLst>
+                                          <p:attrName>style.visibility</p:attrName>
+                                        </p:attrNameLst>
+                                      </p:cBhvr>
+                                      <p:to>
+                                        <p:strVal val="visible"/>
+                                      </p:to>
+                                    </p:set>
+                                    <p:animEffect transition="in" filter="fade">
+                                      <p:cBhvr>
+                                        <p:cTn id="22" dur="500"/>
+                                        <p:tgtEl>
+                                          <p:spTgt spid="9"/>
+                                        </p:tgtEl>
+                                      </p:cBhvr>
+                                    </p:animEffect>
+                                  </p:childTnLst>
+                                </p:cTn>
+                              </p:par>
+                            </p:childTnLst>
+                          </p:cTn>
+                        </p:par>
+                        <p:par>
+                          <p:cTn id="23" fill="hold">
+                            <p:stCondLst>
+                              <p:cond delay="2000"/>
+                            </p:stCondLst>
+                            <p:childTnLst>
+                              <p:par>
+                                <p:cTn id="24" presetID="10" presetClass="entr" presetSubtype="0" fill="hold" grpId="0" nodeType="afterEffect">
+                                  <p:stCondLst>
+                                    <p:cond delay="0"/>
+                                  </p:stCondLst>
+                                  <p:childTnLst>
+                                    <p:set>
+                                      <p:cBhvr>
+                                        <p:cTn id="25" dur="1" fill="hold">
+                                          <p:stCondLst>
+                                            <p:cond delay="0"/>
+                                          </p:stCondLst>
+                                        </p:cTn>
+                                        <p:tgtEl>
+                                          <p:spTgt spid="13"/>
+                                        </p:tgtEl>
+                                        <p:attrNameLst>
+                                          <p:attrName>style.visibility</p:attrName>
+                                        </p:attrNameLst>
+                                      </p:cBhvr>
+                                      <p:to>
+                                        <p:strVal val="visible"/>
+                                      </p:to>
+                                    </p:set>
+                                    <p:animEffect transition="in" filter="fade">
+                                      <p:cBhvr>
+                                        <p:cTn id="26" dur="500"/>
+                                        <p:tgtEl>
+                                          <p:spTgt spid="13"/>
+                                        </p:tgtEl>
+                                      </p:cBhvr>
+                                    </p:animEffect>
+                                  </p:childTnLst>
+                                </p:cTn>
+                              </p:par>
+                            </p:childTnLst>
+                          </p:cTn>
+                        </p:par>
+                        <p:par>
+                          <p:cTn id="27" fill="hold">
+                            <p:stCondLst>
+                              <p:cond delay="3000"/>
+                            </p:stCondLst>
+                            <p:childTnLst>
+                              <p:par>
+                                <p:cTn id="28" presetID="10" presetClass="exit" presetSubtype="0" fill="hold" grpId="0" nodeType="afterEffect">
                                   <p:stCondLst>
                                     <p:cond delay="0"/>
                                   </p:stCondLst>
                                   <p:childTnLst>
                                     <p:animEffect transition="out" filter="fade">
                                       <p:cBhvr>
-                                        <p:cTn id="12" dur="500"/>
+                                        <p:cTn id="29" dur="500"/>
                                         <p:tgtEl>
                                           <p:spTgt spid="48"/>
                                         </p:tgtEl>
@@ -8321,7 +8503,7 @@
                                     </p:animEffect>
                                     <p:set>
                                       <p:cBhvr>
-                                        <p:cTn id="13" dur="1" fill="hold">
+                                        <p:cTn id="30" dur="1" fill="hold">
                                           <p:stCondLst>
                                             <p:cond delay="499"/>
                                           </p:stCondLst>
@@ -8340,15 +8522,112 @@
                                   </p:childTnLst>
                                 </p:cTn>
                               </p:par>
+                            </p:childTnLst>
+                          </p:cTn>
+                        </p:par>
+                        <p:par>
+                          <p:cTn id="31" fill="hold">
+                            <p:stCondLst>
+                              <p:cond delay="3500"/>
+                            </p:stCondLst>
+                            <p:childTnLst>
                               <p:par>
-                                <p:cTn id="14" presetID="10" presetClass="exit" presetSubtype="0" fill="hold" grpId="0" nodeType="withEffect">
+                                <p:cTn id="32" presetID="10" presetClass="entr" presetSubtype="0" fill="hold" nodeType="afterEffect">
+                                  <p:stCondLst>
+                                    <p:cond delay="0"/>
+                                  </p:stCondLst>
+                                  <p:childTnLst>
+                                    <p:set>
+                                      <p:cBhvr>
+                                        <p:cTn id="33" dur="1" fill="hold">
+                                          <p:stCondLst>
+                                            <p:cond delay="0"/>
+                                          </p:stCondLst>
+                                        </p:cTn>
+                                        <p:tgtEl>
+                                          <p:spTgt spid="10"/>
+                                        </p:tgtEl>
+                                        <p:attrNameLst>
+                                          <p:attrName>style.visibility</p:attrName>
+                                        </p:attrNameLst>
+                                      </p:cBhvr>
+                                      <p:to>
+                                        <p:strVal val="visible"/>
+                                      </p:to>
+                                    </p:set>
+                                    <p:animEffect transition="in" filter="fade">
+                                      <p:cBhvr>
+                                        <p:cTn id="34" dur="500"/>
+                                        <p:tgtEl>
+                                          <p:spTgt spid="10"/>
+                                        </p:tgtEl>
+                                      </p:cBhvr>
+                                    </p:animEffect>
+                                  </p:childTnLst>
+                                </p:cTn>
+                              </p:par>
+                            </p:childTnLst>
+                          </p:cTn>
+                        </p:par>
+                        <p:par>
+                          <p:cTn id="35" fill="hold">
+                            <p:stCondLst>
+                              <p:cond delay="4000"/>
+                            </p:stCondLst>
+                            <p:childTnLst>
+                              <p:par>
+                                <p:cTn id="36" presetID="10" presetClass="entr" presetSubtype="0" fill="hold" grpId="0" nodeType="afterEffect">
+                                  <p:stCondLst>
+                                    <p:cond delay="0"/>
+                                  </p:stCondLst>
+                                  <p:childTnLst>
+                                    <p:set>
+                                      <p:cBhvr>
+                                        <p:cTn id="37" dur="1" fill="hold">
+                                          <p:stCondLst>
+                                            <p:cond delay="0"/>
+                                          </p:stCondLst>
+                                        </p:cTn>
+                                        <p:tgtEl>
+                                          <p:spTgt spid="14"/>
+                                        </p:tgtEl>
+                                        <p:attrNameLst>
+                                          <p:attrName>style.visibility</p:attrName>
+                                        </p:attrNameLst>
+                                      </p:cBhvr>
+                                      <p:to>
+                                        <p:strVal val="visible"/>
+                                      </p:to>
+                                    </p:set>
+                                    <p:animEffect transition="in" filter="fade">
+                                      <p:cBhvr>
+                                        <p:cTn id="38" dur="500"/>
+                                        <p:tgtEl>
+                                          <p:spTgt spid="14"/>
+                                        </p:tgtEl>
+                                      </p:cBhvr>
+                                    </p:animEffect>
+                                  </p:childTnLst>
+                                </p:cTn>
+                              </p:par>
+                            </p:childTnLst>
+                          </p:cTn>
+                        </p:par>
+                        <p:par>
+                          <p:cTn id="39" fill="hold">
+                            <p:stCondLst>
+                              <p:cond delay="4500"/>
+                            </p:stCondLst>
+                            <p:childTnLst>
+                              <p:par>
+                                <p:cTn id="40" presetID="10" presetClass="exit" presetSubtype="0" fill="hold" grpId="0" nodeType="afterEffect">
                                   <p:stCondLst>
                                     <p:cond delay="0"/>
                                   </p:stCondLst>
                                   <p:childTnLst>
                                     <p:animEffect transition="out" filter="fade">
                                       <p:cBhvr>
-                                        <p:cTn id="15" dur="500"/>
+                                        <p:cTn id="41" dur="500"/>
                                         <p:tgtEl>
                                           <p:spTgt spid="49"/>
                                         </p:tgtEl>
@@ -8356,7 +8635,7 @@
                                     </p:animEffect>
                                     <p:set>
                                       <p:cBhvr>
-                                        <p:cTn id="16" dur="1" fill="hold">
+                                        <p:cTn id="42" dur="1" fill="hold">
                                           <p:stCondLst>
                                             <p:cond delay="499"/>
                                           </p:stCondLst>
@@ -8375,21 +8654,30 @@
                                   </p:childTnLst>
                                 </p:cTn>
                               </p:par>
+                            </p:childTnLst>
+                          </p:cTn>
+                        </p:par>
+                        <p:par>
+                          <p:cTn id="43" fill="hold">
+                            <p:stCondLst>
+                              <p:cond delay="5000"/>
+                            </p:stCondLst>
+                            <p:childTnLst>
                               <p:par>
-                                <p:cTn id="17" presetID="10" presetClass="entr" presetSubtype="0" fill="hold" grpId="0" nodeType="withEffect">
+                                <p:cTn id="44" presetID="10" presetClass="entr" presetSubtype="0" fill="hold" nodeType="afterEffect">
                                   <p:stCondLst>
                                     <p:cond delay="0"/>
                                   </p:stCondLst>
                                   <p:childTnLst>
                                     <p:set>
                                       <p:cBhvr>
-                                        <p:cTn id="18" dur="1" fill="hold">
+                                        <p:cTn id="45" dur="1" fill="hold">
                                           <p:stCondLst>
                                             <p:cond delay="0"/>
                                           </p:stCondLst>
                                         </p:cTn>
                                         <p:tgtEl>
-                                          <p:spTgt spid="12"/>
+                                          <p:spTgt spid="11"/>
                                         </p:tgtEl>
                                         <p:attrNameLst>
                                           <p:attrName>style.visibility</p:attrName>
@@ -8401,59 +8689,33 @@
                                     </p:set>
                                     <p:animEffect transition="in" filter="fade">
                                       <p:cBhvr>
-                                        <p:cTn id="19" dur="500"/>
+                                        <p:cTn id="46" dur="500"/>
                                         <p:tgtEl>
-                                          <p:spTgt spid="12"/>
+                                          <p:spTgt spid="11"/>
                                         </p:tgtEl>
                                       </p:cBhvr>
                                     </p:animEffect>
                                   </p:childTnLst>
                                 </p:cTn>
                               </p:par>
+                            </p:childTnLst>
+                          </p:cTn>
+                        </p:par>
+                        <p:par>
+                          <p:cTn id="47" fill="hold">
+                            <p:stCondLst>
+                              <p:cond delay="5500"/>
+                            </p:stCondLst>
+                            <p:childTnLst>
                               <p:par>
-                                <p:cTn id="20" presetID="10" presetClass="entr" presetSubtype="0" fill="hold" grpId="0" nodeType="withEffect">
+                                <p:cTn id="48" presetID="10" presetClass="entr" presetSubtype="0" fill="hold" grpId="0" nodeType="afterEffect">
                                   <p:stCondLst>
                                     <p:cond delay="0"/>
                                   </p:stCondLst>
                                   <p:childTnLst>
                                     <p:set>
                                       <p:cBhvr>
-                                        <p:cTn id="21" dur="1" fill="hold">
-                                          <p:stCondLst>
-                                            <p:cond delay="0"/>
-                                          </p:stCondLst>
-                                        </p:cTn>
-                                        <p:tgtEl>
-                                          <p:spTgt spid="13"/>
-                                        </p:tgtEl>
-                                        <p:attrNameLst>
-                                          <p:attrName>style.visibility</p:attrName>
-                                        </p:attrNameLst>
-                                      </p:cBhvr>
-                                      <p:to>
-                                        <p:strVal val="visible"/>
-                                      </p:to>
-                                    </p:set>
-                                    <p:animEffect transition="in" filter="fade">
-                                      <p:cBhvr>
-                                        <p:cTn id="22" dur="500"/>
-                                        <p:tgtEl>
-                                          <p:spTgt spid="13"/>
-                                        </p:tgtEl>
-                                      </p:cBhvr>
-                                    </p:animEffect>
-                                  </p:childTnLst>
-                                </p:cTn>
-                              </p:par>
-                              <p:par>
-                                <p:cTn id="23" presetID="10" presetClass="entr" presetSubtype="0" fill="hold" grpId="0" nodeType="withEffect">
-                                  <p:stCondLst>
-                                    <p:cond delay="0"/>
-                                  </p:stCondLst>
-                                  <p:childTnLst>
-                                    <p:set>
-                                      <p:cBhvr>
-                                        <p:cTn id="24" dur="1" fill="hold">
+                                        <p:cTn id="49" dur="1" fill="hold">
                                           <p:stCondLst>
                                             <p:cond delay="0"/>
                                           </p:stCondLst>
@@ -8471,184 +8733,9 @@
                                     </p:set>
                                     <p:animEffect transition="in" filter="fade">
                                       <p:cBhvr>
-                                        <p:cTn id="25" dur="500"/>
+                                        <p:cTn id="50" dur="500"/>
                                         <p:tgtEl>
                                           <p:spTgt spid="15"/>
-                                        </p:tgtEl>
-                                      </p:cBhvr>
-                                    </p:animEffect>
-                                  </p:childTnLst>
-                                </p:cTn>
-                              </p:par>
-                              <p:par>
-                                <p:cTn id="26" presetID="10" presetClass="entr" presetSubtype="0" fill="hold" nodeType="withEffect">
-                                  <p:stCondLst>
-                                    <p:cond delay="0"/>
-                                  </p:stCondLst>
-                                  <p:childTnLst>
-                                    <p:set>
-                                      <p:cBhvr>
-                                        <p:cTn id="27" dur="1" fill="hold">
-                                          <p:stCondLst>
-                                            <p:cond delay="0"/>
-                                          </p:stCondLst>
-                                        </p:cTn>
-                                        <p:tgtEl>
-                                          <p:spTgt spid="1026"/>
-                                        </p:tgtEl>
-                                        <p:attrNameLst>
-                                          <p:attrName>style.visibility</p:attrName>
-                                        </p:attrNameLst>
-                                      </p:cBhvr>
-                                      <p:to>
-                                        <p:strVal val="visible"/>
-                                      </p:to>
-                                    </p:set>
-                                    <p:animEffect transition="in" filter="fade">
-                                      <p:cBhvr>
-                                        <p:cTn id="28" dur="500"/>
-                                        <p:tgtEl>
-                                          <p:spTgt spid="1026"/>
-                                        </p:tgtEl>
-                                      </p:cBhvr>
-                                    </p:animEffect>
-                                  </p:childTnLst>
-                                </p:cTn>
-                              </p:par>
-                              <p:par>
-                                <p:cTn id="29" presetID="10" presetClass="entr" presetSubtype="0" fill="hold" nodeType="withEffect">
-                                  <p:stCondLst>
-                                    <p:cond delay="0"/>
-                                  </p:stCondLst>
-                                  <p:childTnLst>
-                                    <p:set>
-                                      <p:cBhvr>
-                                        <p:cTn id="30" dur="1" fill="hold">
-                                          <p:stCondLst>
-                                            <p:cond delay="0"/>
-                                          </p:stCondLst>
-                                        </p:cTn>
-                                        <p:tgtEl>
-                                          <p:spTgt spid="9"/>
-                                        </p:tgtEl>
-                                        <p:attrNameLst>
-                                          <p:attrName>style.visibility</p:attrName>
-                                        </p:attrNameLst>
-                                      </p:cBhvr>
-                                      <p:to>
-                                        <p:strVal val="visible"/>
-                                      </p:to>
-                                    </p:set>
-                                    <p:animEffect transition="in" filter="fade">
-                                      <p:cBhvr>
-                                        <p:cTn id="31" dur="500"/>
-                                        <p:tgtEl>
-                                          <p:spTgt spid="9"/>
-                                        </p:tgtEl>
-                                      </p:cBhvr>
-                                    </p:animEffect>
-                                  </p:childTnLst>
-                                </p:cTn>
-                              </p:par>
-                              <p:par>
-                                <p:cTn id="32" presetID="10" presetClass="entr" presetSubtype="0" fill="hold" grpId="0" nodeType="withEffect">
-                                  <p:stCondLst>
-                                    <p:cond delay="0"/>
-                                  </p:stCondLst>
-                                  <p:childTnLst>
-                                    <p:set>
-                                      <p:cBhvr>
-                                        <p:cTn id="33" dur="1" fill="hold">
-                                          <p:stCondLst>
-                                            <p:cond delay="0"/>
-                                          </p:stCondLst>
-                                        </p:cTn>
-                                        <p:tgtEl>
-                                          <p:spTgt spid="14"/>
-                                        </p:tgtEl>
-                                        <p:attrNameLst>
-                                          <p:attrName>style.visibility</p:attrName>
-                                        </p:attrNameLst>
-                                      </p:cBhvr>
-                                      <p:to>
-                                        <p:strVal val="visible"/>
-                                      </p:to>
-                                    </p:set>
-                                    <p:animEffect transition="in" filter="fade">
-                                      <p:cBhvr>
-                                        <p:cTn id="34" dur="500"/>
-                                        <p:tgtEl>
-                                          <p:spTgt spid="14"/>
-                                        </p:tgtEl>
-                                      </p:cBhvr>
-                                    </p:animEffect>
-                                  </p:childTnLst>
-                                </p:cTn>
-                              </p:par>
-                              <p:par>
-                                <p:cTn id="35" presetID="10" presetClass="entr" presetSubtype="0" fill="hold" nodeType="withEffect">
-                                  <p:stCondLst>
-                                    <p:cond delay="0"/>
-                                  </p:stCondLst>
-                                  <p:childTnLst>
-                                    <p:set>
-                                      <p:cBhvr>
-                                        <p:cTn id="36" dur="1" fill="hold">
-                                          <p:stCondLst>
-                                            <p:cond delay="0"/>
-                                          </p:stCondLst>
-                                        </p:cTn>
-                                        <p:tgtEl>
-                                          <p:spTgt spid="10"/>
-                                        </p:tgtEl>
-                                        <p:attrNameLst>
-                                          <p:attrName>style.visibility</p:attrName>
-                                        </p:attrNameLst>
-                                      </p:cBhvr>
-                                      <p:to>
-                                        <p:strVal val="visible"/>
-                                      </p:to>
-                                    </p:set>
-                                    <p:animEffect transition="in" filter="fade">
-                                      <p:cBhvr>
-                                        <p:cTn id="37" dur="500"/>
-                                        <p:tgtEl>
-                                          <p:spTgt spid="10"/>
-                                        </p:tgtEl>
-                                      </p:cBhvr>
-                                    </p:animEffect>
-                                  </p:childTnLst>
-                                </p:cTn>
-                              </p:par>
-                              <p:par>
-                                <p:cTn id="38" presetID="10" presetClass="entr" presetSubtype="0" fill="hold" nodeType="withEffect">
-                                  <p:stCondLst>
-                                    <p:cond delay="0"/>
-                                  </p:stCondLst>
-                                  <p:childTnLst>
-                                    <p:set>
-                                      <p:cBhvr>
-                                        <p:cTn id="39" dur="1" fill="hold">
-                                          <p:stCondLst>
-                                            <p:cond delay="0"/>
-                                          </p:stCondLst>
-                                        </p:cTn>
-                                        <p:tgtEl>
-                                          <p:spTgt spid="11"/>
-                                        </p:tgtEl>
-                                        <p:attrNameLst>
-                                          <p:attrName>style.visibility</p:attrName>
-                                        </p:attrNameLst>
-                                      </p:cBhvr>
-                                      <p:to>
-                                        <p:strVal val="visible"/>
-                                      </p:to>
-                                    </p:set>
-                                    <p:animEffect transition="in" filter="fade">
-                                      <p:cBhvr>
-                                        <p:cTn id="40" dur="500"/>
-                                        <p:tgtEl>
-                                          <p:spTgt spid="11"/>
                                         </p:tgtEl>
                                       </p:cBhvr>
                                     </p:animEffect>
@@ -8684,13 +8771,13 @@
     </p:tnLst>
     <p:bldLst>
       <p:bldP spid="46" grpId="0" animBg="1"/>
-      <p:bldP spid="47" grpId="0" animBg="1"/>
       <p:bldP spid="48" grpId="0" animBg="1"/>
       <p:bldP spid="49" grpId="0" animBg="1"/>
       <p:bldP spid="12" grpId="0" animBg="1"/>
       <p:bldP spid="13" grpId="0" animBg="1"/>
       <p:bldP spid="14" grpId="0" animBg="1"/>
       <p:bldP spid="15" grpId="0" animBg="1"/>
+      <p:bldP spid="3" grpId="0" animBg="1"/>
     </p:bldLst>
   </p:timing>
 </p:sld>
@@ -8781,13 +8868,13 @@
   <p:clrMapOvr>
     <a:masterClrMapping/>
   </p:clrMapOvr>
-  <mc:AlternateContent xmlns:mc="http://schemas.openxmlformats.org/markup-compatibility/2006">
-    <mc:Choice xmlns:p159="http://schemas.microsoft.com/office/powerpoint/2015/09/main" Requires="p159">
+  <mc:AlternateContent xmlns:mc="http://schemas.openxmlformats.org/markup-compatibility/2006" xmlns:p159="http://schemas.microsoft.com/office/powerpoint/2015/09/main">
+    <mc:Choice Requires="p159">
       <p:transition xmlns:p14="http://schemas.microsoft.com/office/powerpoint/2010/main" spd="slow" p14:dur="2000">
         <p159:morph option="byObject"/>
       </p:transition>
     </mc:Choice>
-    <mc:Fallback>
+    <mc:Fallback xmlns="">
       <p:transition spd="slow">
         <p:fade/>
       </p:transition>

--- a/SANSONE VITO/02_sansoneVito.pptx
+++ b/SANSONE VITO/02_sansoneVito.pptx
@@ -11,7 +11,11 @@
     <p:sldId id="259" r:id="rId5"/>
     <p:sldId id="260" r:id="rId6"/>
     <p:sldId id="261" r:id="rId7"/>
-    <p:sldId id="262" r:id="rId8"/>
+    <p:sldId id="263" r:id="rId8"/>
+    <p:sldId id="264" r:id="rId9"/>
+    <p:sldId id="265" r:id="rId10"/>
+    <p:sldId id="266" r:id="rId11"/>
+    <p:sldId id="262" r:id="rId12"/>
   </p:sldIdLst>
   <p:sldSz cx="12192000" cy="6858000"/>
   <p:notesSz cx="6858000" cy="9144000"/>
@@ -279,7 +283,7 @@
           <a:p>
             <a:fld id="{79C5A860-F335-4252-AA00-24FB67ED2982}" type="datetime1">
               <a:rPr lang="en-US" smtClean="0"/>
-              <a:t>2/15/2026</a:t>
+              <a:t>2/20/2026</a:t>
             </a:fld>
             <a:endParaRPr lang="en-US"/>
           </a:p>
@@ -490,7 +494,7 @@
           <a:p>
             <a:fld id="{46AB1048-0047-48CA-88BA-D69B470942CF}" type="datetime1">
               <a:rPr lang="en-US" smtClean="0"/>
-              <a:t>2/15/2026</a:t>
+              <a:t>2/20/2026</a:t>
             </a:fld>
             <a:endParaRPr lang="en-US"/>
           </a:p>
@@ -712,7 +716,7 @@
           <a:p>
             <a:fld id="{5BD83879-648C-49A9-81A2-0EF5946532D0}" type="datetime1">
               <a:rPr lang="en-US" smtClean="0"/>
-              <a:t>2/15/2026</a:t>
+              <a:t>2/20/2026</a:t>
             </a:fld>
             <a:endParaRPr lang="en-US"/>
           </a:p>
@@ -922,7 +926,7 @@
           <a:p>
             <a:fld id="{D04BC802-30E3-4658-9CCA-F873646FEC67}" type="datetime1">
               <a:rPr lang="en-US" smtClean="0"/>
-              <a:t>2/15/2026</a:t>
+              <a:t>2/20/2026</a:t>
             </a:fld>
             <a:endParaRPr lang="en-US"/>
           </a:p>
@@ -1212,7 +1216,7 @@
           <a:p>
             <a:fld id="{0AB227A3-19CE-4153-81CE-64EB7AB094B3}" type="datetime1">
               <a:rPr lang="en-US" smtClean="0"/>
-              <a:t>2/15/2026</a:t>
+              <a:t>2/20/2026</a:t>
             </a:fld>
             <a:endParaRPr lang="en-US"/>
           </a:p>
@@ -1491,7 +1495,7 @@
           <a:p>
             <a:fld id="{B819A100-10F6-477E-8847-29D479EF1C92}" type="datetime1">
               <a:rPr lang="en-US" smtClean="0"/>
-              <a:t>2/15/2026</a:t>
+              <a:t>2/20/2026</a:t>
             </a:fld>
             <a:endParaRPr lang="en-US"/>
           </a:p>
@@ -1917,7 +1921,7 @@
           <a:p>
             <a:fld id="{5DF128AB-198A-495F-8475-FDB360C9873F}" type="datetime1">
               <a:rPr lang="en-US" smtClean="0"/>
-              <a:t>2/15/2026</a:t>
+              <a:t>2/20/2026</a:t>
             </a:fld>
             <a:endParaRPr lang="en-US"/>
           </a:p>
@@ -2070,7 +2074,7 @@
           <a:p>
             <a:fld id="{021A235E-F8FD-479F-9FC7-18BE84110877}" type="datetime1">
               <a:rPr lang="en-US" smtClean="0"/>
-              <a:t>2/15/2026</a:t>
+              <a:t>2/20/2026</a:t>
             </a:fld>
             <a:endParaRPr lang="en-US"/>
           </a:p>
@@ -2195,7 +2199,7 @@
           <a:p>
             <a:fld id="{E890F09B-68DA-462E-9DB4-4C9ADAB8CBCC}" type="datetime1">
               <a:rPr lang="en-US" smtClean="0"/>
-              <a:t>2/15/2026</a:t>
+              <a:t>2/20/2026</a:t>
             </a:fld>
             <a:endParaRPr lang="en-US"/>
           </a:p>
@@ -2526,7 +2530,7 @@
           <a:p>
             <a:fld id="{17AC4E36-FABE-47EB-AA7F-C19A93824617}" type="datetime1">
               <a:rPr lang="en-US" smtClean="0"/>
-              <a:t>2/15/2026</a:t>
+              <a:t>2/20/2026</a:t>
             </a:fld>
             <a:endParaRPr lang="en-US"/>
           </a:p>
@@ -2835,7 +2839,7 @@
           <a:p>
             <a:fld id="{F199CE6B-5DE6-4A2D-B72E-5E8969F9F56F}" type="datetime1">
               <a:rPr lang="en-US" smtClean="0"/>
-              <a:t>2/15/2026</a:t>
+              <a:t>2/20/2026</a:t>
             </a:fld>
             <a:endParaRPr lang="en-US"/>
           </a:p>
@@ -3705,7 +3709,7 @@
           <a:p>
             <a:fld id="{F481A142-DA77-4A5F-AD1F-14E6C18F0F5F}" type="datetime1">
               <a:rPr lang="en-US" smtClean="0"/>
-              <a:t>2/15/2026</a:t>
+              <a:t>2/20/2026</a:t>
             </a:fld>
             <a:endParaRPr lang="en-US" dirty="0"/>
           </a:p>
@@ -4598,6 +4602,644 @@
 </p:sld>
 </file>
 
+<file path=ppt/slides/slide10.xml><?xml version="1.0" encoding="utf-8"?>
+<p:sld xmlns:a="http://schemas.openxmlformats.org/drawingml/2006/main" xmlns:r="http://schemas.openxmlformats.org/officeDocument/2006/relationships" xmlns:p="http://schemas.openxmlformats.org/presentationml/2006/main">
+  <p:cSld>
+    <p:spTree>
+      <p:nvGrpSpPr>
+        <p:cNvPr id="1" name="">
+          <a:extLst>
+            <a:ext uri="{FF2B5EF4-FFF2-40B4-BE49-F238E27FC236}">
+              <a16:creationId xmlns:a16="http://schemas.microsoft.com/office/drawing/2014/main" id="{DC674D6B-182D-1AEB-EC6C-8336DF6610AF}"/>
+            </a:ext>
+          </a:extLst>
+        </p:cNvPr>
+        <p:cNvGrpSpPr/>
+        <p:nvPr/>
+      </p:nvGrpSpPr>
+      <p:grpSpPr>
+        <a:xfrm>
+          <a:off x="0" y="0"/>
+          <a:ext cx="0" cy="0"/>
+          <a:chOff x="0" y="0"/>
+          <a:chExt cx="0" cy="0"/>
+        </a:xfrm>
+      </p:grpSpPr>
+      <p:sp>
+        <p:nvSpPr>
+          <p:cNvPr id="2" name="Titolo 1">
+            <a:extLst>
+              <a:ext uri="{FF2B5EF4-FFF2-40B4-BE49-F238E27FC236}">
+                <a16:creationId xmlns:a16="http://schemas.microsoft.com/office/drawing/2014/main" id="{BAA7E162-2A2C-1581-41A1-E140E053BC83}"/>
+              </a:ext>
+            </a:extLst>
+          </p:cNvPr>
+          <p:cNvSpPr>
+            <a:spLocks noGrp="1"/>
+          </p:cNvSpPr>
+          <p:nvPr>
+            <p:ph type="title"/>
+          </p:nvPr>
+        </p:nvSpPr>
+        <p:spPr>
+          <a:xfrm>
+            <a:off x="424665" y="776038"/>
+            <a:ext cx="10972800" cy="1325563"/>
+          </a:xfrm>
+        </p:spPr>
+        <p:txBody>
+          <a:bodyPr>
+            <a:normAutofit fontScale="90000"/>
+          </a:bodyPr>
+          <a:lstStyle/>
+          <a:p>
+            <a:r>
+              <a:rPr lang="it-IT" sz="5400" b="1" dirty="0">
+                <a:cs typeface="Posterama"/>
+              </a:rPr>
+              <a:t>TECNICHE DI ALLOCAZIONE </a:t>
+            </a:r>
+            <a:br>
+              <a:rPr lang="it-IT" sz="5400" b="1" dirty="0">
+                <a:cs typeface="Posterama"/>
+              </a:rPr>
+            </a:br>
+            <a:r>
+              <a:rPr lang="it-IT" sz="5400" b="1" dirty="0">
+                <a:cs typeface="Posterama"/>
+              </a:rPr>
+              <a:t>DELLA MEMORIA CENTRALE</a:t>
+            </a:r>
+          </a:p>
+        </p:txBody>
+      </p:sp>
+      <p:sp>
+        <p:nvSpPr>
+          <p:cNvPr id="10" name="CasellaDiTesto 9">
+            <a:extLst>
+              <a:ext uri="{FF2B5EF4-FFF2-40B4-BE49-F238E27FC236}">
+                <a16:creationId xmlns:a16="http://schemas.microsoft.com/office/drawing/2014/main" id="{56D2070F-49DF-07EB-3096-A7D84EDC9126}"/>
+              </a:ext>
+            </a:extLst>
+          </p:cNvPr>
+          <p:cNvSpPr txBox="1"/>
+          <p:nvPr/>
+        </p:nvSpPr>
+        <p:spPr>
+          <a:xfrm>
+            <a:off x="791295" y="2623562"/>
+            <a:ext cx="4311175" cy="523220"/>
+          </a:xfrm>
+          <a:prstGeom prst="rect">
+            <a:avLst/>
+          </a:prstGeom>
+          <a:solidFill>
+            <a:schemeClr val="accent1"/>
+          </a:solidFill>
+        </p:spPr>
+        <p:txBody>
+          <a:bodyPr wrap="square" rtlCol="0">
+            <a:spAutoFit/>
+          </a:bodyPr>
+          <a:lstStyle/>
+          <a:p>
+            <a:pPr algn="ctr"/>
+            <a:r>
+              <a:rPr lang="it-IT" sz="2800" b="1" dirty="0"/>
+              <a:t>MONOPROGRAMMATO</a:t>
+            </a:r>
+          </a:p>
+        </p:txBody>
+      </p:sp>
+      <p:sp>
+        <p:nvSpPr>
+          <p:cNvPr id="11" name="CasellaDiTesto 10">
+            <a:extLst>
+              <a:ext uri="{FF2B5EF4-FFF2-40B4-BE49-F238E27FC236}">
+                <a16:creationId xmlns:a16="http://schemas.microsoft.com/office/drawing/2014/main" id="{71863857-4CAC-01B0-50B7-466D8DBD59B1}"/>
+              </a:ext>
+            </a:extLst>
+          </p:cNvPr>
+          <p:cNvSpPr txBox="1"/>
+          <p:nvPr/>
+        </p:nvSpPr>
+        <p:spPr>
+          <a:xfrm>
+            <a:off x="6400329" y="2623562"/>
+            <a:ext cx="4649362" cy="523220"/>
+          </a:xfrm>
+          <a:prstGeom prst="rect">
+            <a:avLst/>
+          </a:prstGeom>
+          <a:solidFill>
+            <a:schemeClr val="accent1"/>
+          </a:solidFill>
+        </p:spPr>
+        <p:txBody>
+          <a:bodyPr wrap="square" rtlCol="0">
+            <a:spAutoFit/>
+          </a:bodyPr>
+          <a:lstStyle/>
+          <a:p>
+            <a:pPr algn="ctr"/>
+            <a:r>
+              <a:rPr lang="it-IT" sz="2800" b="1" dirty="0"/>
+              <a:t>MULTIPROGRAMMATO</a:t>
+            </a:r>
+          </a:p>
+        </p:txBody>
+      </p:sp>
+      <p:sp>
+        <p:nvSpPr>
+          <p:cNvPr id="16" name="CasellaDiTesto 15">
+            <a:extLst>
+              <a:ext uri="{FF2B5EF4-FFF2-40B4-BE49-F238E27FC236}">
+                <a16:creationId xmlns:a16="http://schemas.microsoft.com/office/drawing/2014/main" id="{44F5E909-88C4-5C55-5D82-084A7174E05F}"/>
+              </a:ext>
+            </a:extLst>
+          </p:cNvPr>
+          <p:cNvSpPr txBox="1"/>
+          <p:nvPr/>
+        </p:nvSpPr>
+        <p:spPr>
+          <a:xfrm>
+            <a:off x="791295" y="3308279"/>
+            <a:ext cx="4311175" cy="369332"/>
+          </a:xfrm>
+          <a:prstGeom prst="rect">
+            <a:avLst/>
+          </a:prstGeom>
+          <a:noFill/>
+        </p:spPr>
+        <p:txBody>
+          <a:bodyPr wrap="square" rtlCol="0">
+            <a:spAutoFit/>
+          </a:bodyPr>
+          <a:lstStyle/>
+          <a:p>
+            <a:pPr marL="285750" indent="-285750">
+              <a:buFont typeface="Arial" panose="020B0604020202020204" pitchFamily="34" charset="0"/>
+              <a:buChar char="•"/>
+            </a:pPr>
+            <a:r>
+              <a:rPr lang="it-IT" b="1" dirty="0"/>
+              <a:t>ALLOCAZIONE CONTIGUA</a:t>
+            </a:r>
+            <a:endParaRPr lang="it-IT" dirty="0"/>
+          </a:p>
+        </p:txBody>
+      </p:sp>
+      <p:sp>
+        <p:nvSpPr>
+          <p:cNvPr id="18" name="CasellaDiTesto 17">
+            <a:extLst>
+              <a:ext uri="{FF2B5EF4-FFF2-40B4-BE49-F238E27FC236}">
+                <a16:creationId xmlns:a16="http://schemas.microsoft.com/office/drawing/2014/main" id="{312EEEA6-BF28-BED1-54B0-2FBD5A425E0D}"/>
+              </a:ext>
+            </a:extLst>
+          </p:cNvPr>
+          <p:cNvSpPr txBox="1"/>
+          <p:nvPr/>
+        </p:nvSpPr>
+        <p:spPr>
+          <a:xfrm>
+            <a:off x="6400329" y="3360518"/>
+            <a:ext cx="4311175" cy="369332"/>
+          </a:xfrm>
+          <a:prstGeom prst="rect">
+            <a:avLst/>
+          </a:prstGeom>
+          <a:noFill/>
+        </p:spPr>
+        <p:txBody>
+          <a:bodyPr wrap="square" rtlCol="0">
+            <a:spAutoFit/>
+          </a:bodyPr>
+          <a:lstStyle/>
+          <a:p>
+            <a:pPr marL="285750" indent="-285750">
+              <a:buFont typeface="Arial" panose="020B0604020202020204" pitchFamily="34" charset="0"/>
+              <a:buChar char="•"/>
+            </a:pPr>
+            <a:r>
+              <a:rPr lang="it-IT" b="1" dirty="0"/>
+              <a:t>ALLOCAZIONE CONTIGUA</a:t>
+            </a:r>
+          </a:p>
+        </p:txBody>
+      </p:sp>
+      <p:sp>
+        <p:nvSpPr>
+          <p:cNvPr id="21" name="CasellaDiTesto 20">
+            <a:extLst>
+              <a:ext uri="{FF2B5EF4-FFF2-40B4-BE49-F238E27FC236}">
+                <a16:creationId xmlns:a16="http://schemas.microsoft.com/office/drawing/2014/main" id="{14B9A672-DDB2-627E-9CA5-058878AAE75D}"/>
+              </a:ext>
+            </a:extLst>
+          </p:cNvPr>
+          <p:cNvSpPr txBox="1"/>
+          <p:nvPr/>
+        </p:nvSpPr>
+        <p:spPr>
+          <a:xfrm>
+            <a:off x="8938518" y="3785697"/>
+            <a:ext cx="2907587" cy="369332"/>
+          </a:xfrm>
+          <a:prstGeom prst="rect">
+            <a:avLst/>
+          </a:prstGeom>
+          <a:noFill/>
+        </p:spPr>
+        <p:txBody>
+          <a:bodyPr wrap="square" rtlCol="0">
+            <a:spAutoFit/>
+          </a:bodyPr>
+          <a:lstStyle/>
+          <a:p>
+            <a:r>
+              <a:rPr lang="it-IT"/>
+              <a:t>(a partizioni fisse e variabili)</a:t>
+            </a:r>
+            <a:endParaRPr lang="it-IT" dirty="0"/>
+          </a:p>
+        </p:txBody>
+      </p:sp>
+      <p:sp>
+        <p:nvSpPr>
+          <p:cNvPr id="24" name="CasellaDiTesto 23">
+            <a:extLst>
+              <a:ext uri="{FF2B5EF4-FFF2-40B4-BE49-F238E27FC236}">
+                <a16:creationId xmlns:a16="http://schemas.microsoft.com/office/drawing/2014/main" id="{B4F52FEB-876B-D846-BD22-7C7726A1B5A5}"/>
+              </a:ext>
+            </a:extLst>
+          </p:cNvPr>
+          <p:cNvSpPr txBox="1"/>
+          <p:nvPr/>
+        </p:nvSpPr>
+        <p:spPr>
+          <a:xfrm>
+            <a:off x="6400329" y="4371914"/>
+            <a:ext cx="4311175" cy="369332"/>
+          </a:xfrm>
+          <a:prstGeom prst="rect">
+            <a:avLst/>
+          </a:prstGeom>
+          <a:noFill/>
+        </p:spPr>
+        <p:txBody>
+          <a:bodyPr wrap="square" rtlCol="0">
+            <a:spAutoFit/>
+          </a:bodyPr>
+          <a:lstStyle/>
+          <a:p>
+            <a:pPr marL="285750" indent="-285750">
+              <a:buFont typeface="Arial" panose="020B0604020202020204" pitchFamily="34" charset="0"/>
+              <a:buChar char="•"/>
+            </a:pPr>
+            <a:r>
+              <a:rPr lang="it-IT" b="1" dirty="0"/>
+              <a:t>ALLOCAZIONE NON CONTIGUA</a:t>
+            </a:r>
+          </a:p>
+        </p:txBody>
+      </p:sp>
+      <p:sp>
+        <p:nvSpPr>
+          <p:cNvPr id="25" name="CasellaDiTesto 24">
+            <a:extLst>
+              <a:ext uri="{FF2B5EF4-FFF2-40B4-BE49-F238E27FC236}">
+                <a16:creationId xmlns:a16="http://schemas.microsoft.com/office/drawing/2014/main" id="{CF2AA836-56AF-D87D-6307-5F8045DB51C1}"/>
+              </a:ext>
+            </a:extLst>
+          </p:cNvPr>
+          <p:cNvSpPr txBox="1"/>
+          <p:nvPr/>
+        </p:nvSpPr>
+        <p:spPr>
+          <a:xfrm>
+            <a:off x="8938518" y="4797093"/>
+            <a:ext cx="2907587" cy="923330"/>
+          </a:xfrm>
+          <a:prstGeom prst="rect">
+            <a:avLst/>
+          </a:prstGeom>
+          <a:noFill/>
+        </p:spPr>
+        <p:txBody>
+          <a:bodyPr wrap="square" rtlCol="0">
+            <a:spAutoFit/>
+          </a:bodyPr>
+          <a:lstStyle/>
+          <a:p>
+            <a:r>
+              <a:rPr lang="it-IT" dirty="0"/>
+              <a:t>(paginazione, segmentazione e segmentazione con paginazione)</a:t>
+            </a:r>
+          </a:p>
+        </p:txBody>
+      </p:sp>
+      <p:pic>
+        <p:nvPicPr>
+          <p:cNvPr id="26" name="Picture 2" descr="Immagine che contiene schizzo, disegno, nero, bianco e nero&#10;&#10;Il contenuto generato dall&amp;#39;IA potrebbe non essere corretto.">
+            <a:extLst>
+              <a:ext uri="{FF2B5EF4-FFF2-40B4-BE49-F238E27FC236}">
+                <a16:creationId xmlns:a16="http://schemas.microsoft.com/office/drawing/2014/main" id="{D0B2BE35-DCD2-E0BF-418A-F76799B6217A}"/>
+              </a:ext>
+            </a:extLst>
+          </p:cNvPr>
+          <p:cNvPicPr>
+            <a:picLocks noChangeAspect="1" noChangeArrowheads="1"/>
+          </p:cNvPicPr>
+          <p:nvPr/>
+        </p:nvPicPr>
+        <p:blipFill>
+          <a:blip r:embed="rId2" cstate="print">
+            <a:extLst>
+              <a:ext uri="{28A0092B-C50C-407E-A947-70E740481C1C}">
+                <a14:useLocalDpi xmlns:a14="http://schemas.microsoft.com/office/drawing/2010/main" val="0"/>
+              </a:ext>
+            </a:extLst>
+          </a:blip>
+          <a:srcRect/>
+          <a:stretch>
+            <a:fillRect/>
+          </a:stretch>
+        </p:blipFill>
+        <p:spPr bwMode="auto">
+          <a:xfrm rot="1317244">
+            <a:off x="9219975" y="3392824"/>
+            <a:ext cx="571889" cy="571889"/>
+          </a:xfrm>
+          <a:prstGeom prst="rect">
+            <a:avLst/>
+          </a:prstGeom>
+          <a:noFill/>
+          <a:extLst>
+            <a:ext uri="{909E8E84-426E-40DD-AFC4-6F175D3DCCD1}">
+              <a14:hiddenFill xmlns:a14="http://schemas.microsoft.com/office/drawing/2010/main">
+                <a:solidFill>
+                  <a:srgbClr val="FFFFFF"/>
+                </a:solidFill>
+              </a14:hiddenFill>
+            </a:ext>
+          </a:extLst>
+        </p:spPr>
+      </p:pic>
+      <p:pic>
+        <p:nvPicPr>
+          <p:cNvPr id="27" name="Picture 2" descr="Immagine che contiene schizzo, disegno, nero, bianco e nero&#10;&#10;Il contenuto generato dall&amp;#39;IA potrebbe non essere corretto.">
+            <a:extLst>
+              <a:ext uri="{FF2B5EF4-FFF2-40B4-BE49-F238E27FC236}">
+                <a16:creationId xmlns:a16="http://schemas.microsoft.com/office/drawing/2014/main" id="{378FE73B-1704-1DC7-8CD4-EB039A75C225}"/>
+              </a:ext>
+            </a:extLst>
+          </p:cNvPr>
+          <p:cNvPicPr>
+            <a:picLocks noChangeAspect="1" noChangeArrowheads="1"/>
+          </p:cNvPicPr>
+          <p:nvPr/>
+        </p:nvPicPr>
+        <p:blipFill>
+          <a:blip r:embed="rId3" cstate="print">
+            <a:extLst>
+              <a:ext uri="{28A0092B-C50C-407E-A947-70E740481C1C}">
+                <a14:useLocalDpi xmlns:a14="http://schemas.microsoft.com/office/drawing/2010/main" val="0"/>
+              </a:ext>
+            </a:extLst>
+          </a:blip>
+          <a:srcRect/>
+          <a:stretch>
+            <a:fillRect/>
+          </a:stretch>
+        </p:blipFill>
+        <p:spPr bwMode="auto">
+          <a:xfrm rot="1317244">
+            <a:off x="9692578" y="4423686"/>
+            <a:ext cx="532221" cy="532221"/>
+          </a:xfrm>
+          <a:prstGeom prst="rect">
+            <a:avLst/>
+          </a:prstGeom>
+          <a:noFill/>
+          <a:extLst>
+            <a:ext uri="{909E8E84-426E-40DD-AFC4-6F175D3DCCD1}">
+              <a14:hiddenFill xmlns:a14="http://schemas.microsoft.com/office/drawing/2010/main">
+                <a:solidFill>
+                  <a:srgbClr val="FFFFFF"/>
+                </a:solidFill>
+              </a14:hiddenFill>
+            </a:ext>
+          </a:extLst>
+        </p:spPr>
+      </p:pic>
+      <p:sp>
+        <p:nvSpPr>
+          <p:cNvPr id="28" name="CasellaDiTesto 27">
+            <a:extLst>
+              <a:ext uri="{FF2B5EF4-FFF2-40B4-BE49-F238E27FC236}">
+                <a16:creationId xmlns:a16="http://schemas.microsoft.com/office/drawing/2014/main" id="{4283BF11-722C-E871-CC4C-3E4FA6284FCF}"/>
+              </a:ext>
+            </a:extLst>
+          </p:cNvPr>
+          <p:cNvSpPr txBox="1"/>
+          <p:nvPr/>
+        </p:nvSpPr>
+        <p:spPr>
+          <a:xfrm>
+            <a:off x="3298005" y="3729850"/>
+            <a:ext cx="2268853" cy="369332"/>
+          </a:xfrm>
+          <a:prstGeom prst="rect">
+            <a:avLst/>
+          </a:prstGeom>
+          <a:noFill/>
+        </p:spPr>
+        <p:txBody>
+          <a:bodyPr wrap="square" rtlCol="0">
+            <a:spAutoFit/>
+          </a:bodyPr>
+          <a:lstStyle/>
+          <a:p>
+            <a:r>
+              <a:rPr lang="it-IT"/>
+              <a:t>(a partizione singola)</a:t>
+            </a:r>
+            <a:endParaRPr lang="it-IT" dirty="0"/>
+          </a:p>
+        </p:txBody>
+      </p:sp>
+      <p:pic>
+        <p:nvPicPr>
+          <p:cNvPr id="29" name="Picture 2" descr="Immagine che contiene schizzo, disegno, nero, bianco e nero&#10;&#10;Il contenuto generato dall&amp;#39;IA potrebbe non essere corretto.">
+            <a:extLst>
+              <a:ext uri="{FF2B5EF4-FFF2-40B4-BE49-F238E27FC236}">
+                <a16:creationId xmlns:a16="http://schemas.microsoft.com/office/drawing/2014/main" id="{E446AC47-D211-8551-99B0-F06A39CEF782}"/>
+              </a:ext>
+            </a:extLst>
+          </p:cNvPr>
+          <p:cNvPicPr>
+            <a:picLocks noChangeAspect="1" noChangeArrowheads="1"/>
+          </p:cNvPicPr>
+          <p:nvPr/>
+        </p:nvPicPr>
+        <p:blipFill>
+          <a:blip r:embed="rId2" cstate="print">
+            <a:extLst>
+              <a:ext uri="{28A0092B-C50C-407E-A947-70E740481C1C}">
+                <a14:useLocalDpi xmlns:a14="http://schemas.microsoft.com/office/drawing/2010/main" val="0"/>
+              </a:ext>
+            </a:extLst>
+          </a:blip>
+          <a:srcRect/>
+          <a:stretch>
+            <a:fillRect/>
+          </a:stretch>
+        </p:blipFill>
+        <p:spPr bwMode="auto">
+          <a:xfrm rot="1317244">
+            <a:off x="3586684" y="3335987"/>
+            <a:ext cx="571889" cy="571889"/>
+          </a:xfrm>
+          <a:prstGeom prst="rect">
+            <a:avLst/>
+          </a:prstGeom>
+          <a:noFill/>
+          <a:extLst>
+            <a:ext uri="{909E8E84-426E-40DD-AFC4-6F175D3DCCD1}">
+              <a14:hiddenFill xmlns:a14="http://schemas.microsoft.com/office/drawing/2010/main">
+                <a:solidFill>
+                  <a:srgbClr val="FFFFFF"/>
+                </a:solidFill>
+              </a14:hiddenFill>
+            </a:ext>
+          </a:extLst>
+        </p:spPr>
+      </p:pic>
+    </p:spTree>
+    <p:extLst>
+      <p:ext uri="{BB962C8B-B14F-4D97-AF65-F5344CB8AC3E}">
+        <p14:creationId xmlns:p14="http://schemas.microsoft.com/office/powerpoint/2010/main" val="3228090381"/>
+      </p:ext>
+    </p:extLst>
+  </p:cSld>
+  <p:clrMapOvr>
+    <a:masterClrMapping/>
+  </p:clrMapOvr>
+  <mc:AlternateContent xmlns:mc="http://schemas.openxmlformats.org/markup-compatibility/2006" xmlns:p159="http://schemas.microsoft.com/office/powerpoint/2015/09/main">
+    <mc:Choice Requires="p159">
+      <p:transition xmlns:p14="http://schemas.microsoft.com/office/powerpoint/2010/main" spd="slow" p14:dur="2000">
+        <p159:morph option="byObject"/>
+      </p:transition>
+    </mc:Choice>
+    <mc:Fallback xmlns="">
+      <p:transition spd="slow">
+        <p:fade/>
+      </p:transition>
+    </mc:Fallback>
+  </mc:AlternateContent>
+</p:sld>
+</file>
+
+<file path=ppt/slides/slide11.xml><?xml version="1.0" encoding="utf-8"?>
+<p:sld xmlns:a="http://schemas.openxmlformats.org/drawingml/2006/main" xmlns:r="http://schemas.openxmlformats.org/officeDocument/2006/relationships" xmlns:p="http://schemas.openxmlformats.org/presentationml/2006/main">
+  <p:cSld>
+    <p:spTree>
+      <p:nvGrpSpPr>
+        <p:cNvPr id="1" name="">
+          <a:extLst>
+            <a:ext uri="{FF2B5EF4-FFF2-40B4-BE49-F238E27FC236}">
+              <a16:creationId xmlns:a16="http://schemas.microsoft.com/office/drawing/2014/main" id="{7FEE132D-FCBF-AB0D-1853-C7810B6680F2}"/>
+            </a:ext>
+          </a:extLst>
+        </p:cNvPr>
+        <p:cNvGrpSpPr/>
+        <p:nvPr/>
+      </p:nvGrpSpPr>
+      <p:grpSpPr>
+        <a:xfrm>
+          <a:off x="0" y="0"/>
+          <a:ext cx="0" cy="0"/>
+          <a:chOff x="0" y="0"/>
+          <a:chExt cx="0" cy="0"/>
+        </a:xfrm>
+      </p:grpSpPr>
+      <p:sp>
+        <p:nvSpPr>
+          <p:cNvPr id="2" name="Titolo 1">
+            <a:extLst>
+              <a:ext uri="{FF2B5EF4-FFF2-40B4-BE49-F238E27FC236}">
+                <a16:creationId xmlns:a16="http://schemas.microsoft.com/office/drawing/2014/main" id="{6B3C0C26-0FC9-85A0-5567-B53D9833CC0E}"/>
+              </a:ext>
+            </a:extLst>
+          </p:cNvPr>
+          <p:cNvSpPr>
+            <a:spLocks noGrp="1"/>
+          </p:cNvSpPr>
+          <p:nvPr>
+            <p:ph type="title"/>
+          </p:nvPr>
+        </p:nvSpPr>
+        <p:spPr>
+          <a:xfrm>
+            <a:off x="2477277" y="2766218"/>
+            <a:ext cx="7237445" cy="1325563"/>
+          </a:xfrm>
+        </p:spPr>
+        <p:txBody>
+          <a:bodyPr>
+            <a:noAutofit/>
+          </a:bodyPr>
+          <a:lstStyle/>
+          <a:p>
+            <a:pPr algn="ctr"/>
+            <a:r>
+              <a:rPr lang="it-IT" sz="8000" b="1" dirty="0">
+                <a:cs typeface="Posterama"/>
+              </a:rPr>
+              <a:t>FINE</a:t>
+            </a:r>
+            <a:br>
+              <a:rPr lang="it-IT" sz="8000" b="1" dirty="0">
+                <a:cs typeface="Posterama"/>
+              </a:rPr>
+            </a:br>
+            <a:r>
+              <a:rPr lang="it-IT" sz="3600" b="1" dirty="0">
+                <a:cs typeface="Posterama"/>
+              </a:rPr>
+              <a:t>GRAZIE PER L’ATTENZIONE</a:t>
+            </a:r>
+            <a:endParaRPr lang="it-IT" sz="8000" b="1" dirty="0">
+              <a:cs typeface="Posterama"/>
+            </a:endParaRPr>
+          </a:p>
+        </p:txBody>
+      </p:sp>
+    </p:spTree>
+    <p:extLst>
+      <p:ext uri="{BB962C8B-B14F-4D97-AF65-F5344CB8AC3E}">
+        <p14:creationId xmlns:p14="http://schemas.microsoft.com/office/powerpoint/2010/main" val="2011883623"/>
+      </p:ext>
+    </p:extLst>
+  </p:cSld>
+  <p:clrMapOvr>
+    <a:masterClrMapping/>
+  </p:clrMapOvr>
+  <mc:AlternateContent xmlns:mc="http://schemas.openxmlformats.org/markup-compatibility/2006" xmlns:p159="http://schemas.microsoft.com/office/powerpoint/2015/09/main">
+    <mc:Choice Requires="p159">
+      <p:transition xmlns:p14="http://schemas.microsoft.com/office/powerpoint/2010/main" spd="slow" p14:dur="2000">
+        <p159:morph option="byObject"/>
+      </p:transition>
+    </mc:Choice>
+    <mc:Fallback xmlns="">
+      <p:transition spd="slow">
+        <p:fade/>
+      </p:transition>
+    </mc:Fallback>
+  </mc:AlternateContent>
+</p:sld>
+</file>
+
 <file path=ppt/slides/slide2.xml><?xml version="1.0" encoding="utf-8"?>
 <p:sld xmlns:a="http://schemas.openxmlformats.org/drawingml/2006/main" xmlns:r="http://schemas.openxmlformats.org/officeDocument/2006/relationships" xmlns:p="http://schemas.openxmlformats.org/presentationml/2006/main">
   <p:cSld>
@@ -4871,7 +5513,7 @@
           <a:lstStyle/>
           <a:p>
             <a:r>
-              <a:rPr lang="it-IT" sz="4800" b="1" dirty="0">
+              <a:rPr lang="it-IT" sz="6000" b="1" dirty="0">
                 <a:cs typeface="Posterama"/>
               </a:rPr>
               <a:t>SOMMARIO</a:t>
@@ -4897,13 +5539,13 @@
         </p:nvSpPr>
         <p:spPr>
           <a:xfrm>
-            <a:off x="610198" y="2391995"/>
-            <a:ext cx="5265951" cy="3174788"/>
+            <a:off x="609601" y="2036394"/>
+            <a:ext cx="5265951" cy="3792905"/>
           </a:xfrm>
         </p:spPr>
         <p:txBody>
           <a:bodyPr vert="horz" lIns="91440" tIns="45720" rIns="91440" bIns="45720" rtlCol="0" anchor="t">
-            <a:normAutofit/>
+            <a:normAutofit fontScale="92500"/>
           </a:bodyPr>
           <a:lstStyle/>
           <a:p>
@@ -4944,6 +5586,38 @@
             <a:r>
               <a:rPr lang="it-IT" sz="2400" dirty="0"/>
               <a:t>RILOCAZIONE DINAMICA</a:t>
+            </a:r>
+          </a:p>
+          <a:p>
+            <a:pPr marL="342900" indent="-342900">
+              <a:buFont typeface="Arial" panose="020B0504020202020204" pitchFamily="34" charset="0"/>
+              <a:buChar char="•"/>
+            </a:pPr>
+            <a:r>
+              <a:rPr lang="it-IT" sz="2400" dirty="0">
+                <a:cs typeface="Posterama"/>
+              </a:rPr>
+              <a:t>BINDING E LINKING</a:t>
+            </a:r>
+          </a:p>
+          <a:p>
+            <a:pPr marL="342900" indent="-342900">
+              <a:buFont typeface="Arial" panose="020B0504020202020204" pitchFamily="34" charset="0"/>
+              <a:buChar char="•"/>
+            </a:pPr>
+            <a:r>
+              <a:rPr lang="it-IT" sz="2400" dirty="0"/>
+              <a:t>L'OTTIMIZZAZIONE DELLA MEMORIA</a:t>
+            </a:r>
+          </a:p>
+          <a:p>
+            <a:pPr marL="342900" indent="-342900">
+              <a:buFont typeface="Arial" panose="020B0504020202020204" pitchFamily="34" charset="0"/>
+              <a:buChar char="•"/>
+            </a:pPr>
+            <a:r>
+              <a:rPr lang="it-IT" sz="2400" dirty="0"/>
+              <a:t>TECNICHE DI OTTIMIZZAZIONE DELLA MEMORIA​</a:t>
             </a:r>
           </a:p>
         </p:txBody>
@@ -7806,194 +8480,6 @@
           </a:p>
         </p:txBody>
       </p:sp>
-      <p:pic>
-        <p:nvPicPr>
-          <p:cNvPr id="1026" name="Picture 2" descr="Freccia bianca png | PNGEgg">
-            <a:extLst>
-              <a:ext uri="{FF2B5EF4-FFF2-40B4-BE49-F238E27FC236}">
-                <a16:creationId xmlns:a16="http://schemas.microsoft.com/office/drawing/2014/main" id="{2001AF75-4473-3825-3342-033F2AA755BD}"/>
-              </a:ext>
-            </a:extLst>
-          </p:cNvPr>
-          <p:cNvPicPr>
-            <a:picLocks noChangeAspect="1" noChangeArrowheads="1"/>
-          </p:cNvPicPr>
-          <p:nvPr/>
-        </p:nvPicPr>
-        <p:blipFill>
-          <a:blip r:embed="rId2" cstate="print">
-            <a:extLst>
-              <a:ext uri="{28A0092B-C50C-407E-A947-70E740481C1C}">
-                <a14:useLocalDpi xmlns:a14="http://schemas.microsoft.com/office/drawing/2010/main" val="0"/>
-              </a:ext>
-            </a:extLst>
-          </a:blip>
-          <a:srcRect/>
-          <a:stretch>
-            <a:fillRect/>
-          </a:stretch>
-        </p:blipFill>
-        <p:spPr bwMode="auto">
-          <a:xfrm>
-            <a:off x="8876255" y="3593069"/>
-            <a:ext cx="592498" cy="369332"/>
-          </a:xfrm>
-          <a:prstGeom prst="rect">
-            <a:avLst/>
-          </a:prstGeom>
-          <a:noFill/>
-          <a:extLst>
-            <a:ext uri="{909E8E84-426E-40DD-AFC4-6F175D3DCCD1}">
-              <a14:hiddenFill xmlns:a14="http://schemas.microsoft.com/office/drawing/2010/main">
-                <a:solidFill>
-                  <a:srgbClr val="FFFFFF"/>
-                </a:solidFill>
-              </a14:hiddenFill>
-            </a:ext>
-          </a:extLst>
-        </p:spPr>
-      </p:pic>
-      <p:pic>
-        <p:nvPicPr>
-          <p:cNvPr id="9" name="Picture 2" descr="Freccia bianca png | PNGEgg">
-            <a:extLst>
-              <a:ext uri="{FF2B5EF4-FFF2-40B4-BE49-F238E27FC236}">
-                <a16:creationId xmlns:a16="http://schemas.microsoft.com/office/drawing/2014/main" id="{FC18912D-A0ED-CEFF-27EB-13A66263B636}"/>
-              </a:ext>
-            </a:extLst>
-          </p:cNvPr>
-          <p:cNvPicPr>
-            <a:picLocks noChangeAspect="1" noChangeArrowheads="1"/>
-          </p:cNvPicPr>
-          <p:nvPr/>
-        </p:nvPicPr>
-        <p:blipFill>
-          <a:blip r:embed="rId2" cstate="print">
-            <a:extLst>
-              <a:ext uri="{28A0092B-C50C-407E-A947-70E740481C1C}">
-                <a14:useLocalDpi xmlns:a14="http://schemas.microsoft.com/office/drawing/2010/main" val="0"/>
-              </a:ext>
-            </a:extLst>
-          </a:blip>
-          <a:srcRect/>
-          <a:stretch>
-            <a:fillRect/>
-          </a:stretch>
-        </p:blipFill>
-        <p:spPr bwMode="auto">
-          <a:xfrm>
-            <a:off x="8876255" y="3962399"/>
-            <a:ext cx="592498" cy="369332"/>
-          </a:xfrm>
-          <a:prstGeom prst="rect">
-            <a:avLst/>
-          </a:prstGeom>
-          <a:noFill/>
-          <a:extLst>
-            <a:ext uri="{909E8E84-426E-40DD-AFC4-6F175D3DCCD1}">
-              <a14:hiddenFill xmlns:a14="http://schemas.microsoft.com/office/drawing/2010/main">
-                <a:solidFill>
-                  <a:srgbClr val="FFFFFF"/>
-                </a:solidFill>
-              </a14:hiddenFill>
-            </a:ext>
-          </a:extLst>
-        </p:spPr>
-      </p:pic>
-      <p:pic>
-        <p:nvPicPr>
-          <p:cNvPr id="10" name="Picture 2" descr="Freccia bianca png | PNGEgg">
-            <a:extLst>
-              <a:ext uri="{FF2B5EF4-FFF2-40B4-BE49-F238E27FC236}">
-                <a16:creationId xmlns:a16="http://schemas.microsoft.com/office/drawing/2014/main" id="{CBCD26B9-BA32-016E-8FB5-2104C44C090E}"/>
-              </a:ext>
-            </a:extLst>
-          </p:cNvPr>
-          <p:cNvPicPr>
-            <a:picLocks noChangeAspect="1" noChangeArrowheads="1"/>
-          </p:cNvPicPr>
-          <p:nvPr/>
-        </p:nvPicPr>
-        <p:blipFill>
-          <a:blip r:embed="rId2" cstate="print">
-            <a:extLst>
-              <a:ext uri="{28A0092B-C50C-407E-A947-70E740481C1C}">
-                <a14:useLocalDpi xmlns:a14="http://schemas.microsoft.com/office/drawing/2010/main" val="0"/>
-              </a:ext>
-            </a:extLst>
-          </a:blip>
-          <a:srcRect/>
-          <a:stretch>
-            <a:fillRect/>
-          </a:stretch>
-        </p:blipFill>
-        <p:spPr bwMode="auto">
-          <a:xfrm>
-            <a:off x="8876255" y="4331732"/>
-            <a:ext cx="592498" cy="369332"/>
-          </a:xfrm>
-          <a:prstGeom prst="rect">
-            <a:avLst/>
-          </a:prstGeom>
-          <a:noFill/>
-          <a:extLst>
-            <a:ext uri="{909E8E84-426E-40DD-AFC4-6F175D3DCCD1}">
-              <a14:hiddenFill xmlns:a14="http://schemas.microsoft.com/office/drawing/2010/main">
-                <a:solidFill>
-                  <a:srgbClr val="FFFFFF"/>
-                </a:solidFill>
-              </a14:hiddenFill>
-            </a:ext>
-          </a:extLst>
-        </p:spPr>
-      </p:pic>
-      <p:pic>
-        <p:nvPicPr>
-          <p:cNvPr id="11" name="Picture 2" descr="Freccia bianca png | PNGEgg">
-            <a:extLst>
-              <a:ext uri="{FF2B5EF4-FFF2-40B4-BE49-F238E27FC236}">
-                <a16:creationId xmlns:a16="http://schemas.microsoft.com/office/drawing/2014/main" id="{B41189A1-B9A4-5775-6047-667CDC688D72}"/>
-              </a:ext>
-            </a:extLst>
-          </p:cNvPr>
-          <p:cNvPicPr>
-            <a:picLocks noChangeAspect="1" noChangeArrowheads="1"/>
-          </p:cNvPicPr>
-          <p:nvPr/>
-        </p:nvPicPr>
-        <p:blipFill>
-          <a:blip r:embed="rId2" cstate="print">
-            <a:extLst>
-              <a:ext uri="{28A0092B-C50C-407E-A947-70E740481C1C}">
-                <a14:useLocalDpi xmlns:a14="http://schemas.microsoft.com/office/drawing/2010/main" val="0"/>
-              </a:ext>
-            </a:extLst>
-          </a:blip>
-          <a:srcRect/>
-          <a:stretch>
-            <a:fillRect/>
-          </a:stretch>
-        </p:blipFill>
-        <p:spPr bwMode="auto">
-          <a:xfrm>
-            <a:off x="8876255" y="4701061"/>
-            <a:ext cx="592498" cy="369332"/>
-          </a:xfrm>
-          <a:prstGeom prst="rect">
-            <a:avLst/>
-          </a:prstGeom>
-          <a:noFill/>
-          <a:extLst>
-            <a:ext uri="{909E8E84-426E-40DD-AFC4-6F175D3DCCD1}">
-              <a14:hiddenFill xmlns:a14="http://schemas.microsoft.com/office/drawing/2010/main">
-                <a:solidFill>
-                  <a:srgbClr val="FFFFFF"/>
-                </a:solidFill>
-              </a14:hiddenFill>
-            </a:ext>
-          </a:extLst>
-        </p:spPr>
-      </p:pic>
       <p:sp>
         <p:nvSpPr>
           <p:cNvPr id="12" name="CasellaDiTesto 11">
@@ -8190,6 +8676,154 @@
           </a:p>
         </p:txBody>
       </p:sp>
+      <p:pic>
+        <p:nvPicPr>
+          <p:cNvPr id="5" name="Immagine 4">
+            <a:extLst>
+              <a:ext uri="{FF2B5EF4-FFF2-40B4-BE49-F238E27FC236}">
+                <a16:creationId xmlns:a16="http://schemas.microsoft.com/office/drawing/2014/main" id="{A0893D9C-3775-622E-A441-3F4EBC4A12A6}"/>
+              </a:ext>
+            </a:extLst>
+          </p:cNvPr>
+          <p:cNvPicPr>
+            <a:picLocks noChangeAspect="1"/>
+          </p:cNvPicPr>
+          <p:nvPr/>
+        </p:nvPicPr>
+        <p:blipFill>
+          <a:blip r:embed="rId2" cstate="print">
+            <a:extLst>
+              <a:ext uri="{28A0092B-C50C-407E-A947-70E740481C1C}">
+                <a14:useLocalDpi xmlns:a14="http://schemas.microsoft.com/office/drawing/2010/main" val="0"/>
+              </a:ext>
+            </a:extLst>
+          </a:blip>
+          <a:srcRect t="7034" b="19033"/>
+          <a:stretch>
+            <a:fillRect/>
+          </a:stretch>
+        </p:blipFill>
+        <p:spPr>
+          <a:xfrm>
+            <a:off x="8856157" y="3594706"/>
+            <a:ext cx="610502" cy="370693"/>
+          </a:xfrm>
+          <a:prstGeom prst="rect">
+            <a:avLst/>
+          </a:prstGeom>
+        </p:spPr>
+      </p:pic>
+      <p:pic>
+        <p:nvPicPr>
+          <p:cNvPr id="17" name="Immagine 16">
+            <a:extLst>
+              <a:ext uri="{FF2B5EF4-FFF2-40B4-BE49-F238E27FC236}">
+                <a16:creationId xmlns:a16="http://schemas.microsoft.com/office/drawing/2014/main" id="{B8A01763-D537-3117-8E85-0959D293F788}"/>
+              </a:ext>
+            </a:extLst>
+          </p:cNvPr>
+          <p:cNvPicPr>
+            <a:picLocks noChangeAspect="1"/>
+          </p:cNvPicPr>
+          <p:nvPr/>
+        </p:nvPicPr>
+        <p:blipFill>
+          <a:blip r:embed="rId3" cstate="print">
+            <a:extLst>
+              <a:ext uri="{28A0092B-C50C-407E-A947-70E740481C1C}">
+                <a14:useLocalDpi xmlns:a14="http://schemas.microsoft.com/office/drawing/2010/main" val="0"/>
+              </a:ext>
+            </a:extLst>
+          </a:blip>
+          <a:srcRect t="7034" b="19033"/>
+          <a:stretch>
+            <a:fillRect/>
+          </a:stretch>
+        </p:blipFill>
+        <p:spPr>
+          <a:xfrm>
+            <a:off x="8875731" y="4698065"/>
+            <a:ext cx="585591" cy="368592"/>
+          </a:xfrm>
+          <a:prstGeom prst="rect">
+            <a:avLst/>
+          </a:prstGeom>
+        </p:spPr>
+      </p:pic>
+      <p:pic>
+        <p:nvPicPr>
+          <p:cNvPr id="19" name="Immagine 18">
+            <a:extLst>
+              <a:ext uri="{FF2B5EF4-FFF2-40B4-BE49-F238E27FC236}">
+                <a16:creationId xmlns:a16="http://schemas.microsoft.com/office/drawing/2014/main" id="{A7E06100-2225-5A7C-7FC6-C82D92EA5CD7}"/>
+              </a:ext>
+            </a:extLst>
+          </p:cNvPr>
+          <p:cNvPicPr>
+            <a:picLocks noChangeAspect="1"/>
+          </p:cNvPicPr>
+          <p:nvPr/>
+        </p:nvPicPr>
+        <p:blipFill>
+          <a:blip r:embed="rId4" cstate="print">
+            <a:extLst>
+              <a:ext uri="{28A0092B-C50C-407E-A947-70E740481C1C}">
+                <a14:useLocalDpi xmlns:a14="http://schemas.microsoft.com/office/drawing/2010/main" val="0"/>
+              </a:ext>
+            </a:extLst>
+          </a:blip>
+          <a:srcRect t="7034" b="19033"/>
+          <a:stretch>
+            <a:fillRect/>
+          </a:stretch>
+        </p:blipFill>
+        <p:spPr>
+          <a:xfrm>
+            <a:off x="8856157" y="3964038"/>
+            <a:ext cx="610502" cy="378451"/>
+          </a:xfrm>
+          <a:prstGeom prst="rect">
+            <a:avLst/>
+          </a:prstGeom>
+        </p:spPr>
+      </p:pic>
+      <p:pic>
+        <p:nvPicPr>
+          <p:cNvPr id="20" name="Immagine 19">
+            <a:extLst>
+              <a:ext uri="{FF2B5EF4-FFF2-40B4-BE49-F238E27FC236}">
+                <a16:creationId xmlns:a16="http://schemas.microsoft.com/office/drawing/2014/main" id="{A9D8F2EB-491E-D608-E333-1BD64D47F60F}"/>
+              </a:ext>
+            </a:extLst>
+          </p:cNvPr>
+          <p:cNvPicPr>
+            <a:picLocks noChangeAspect="1"/>
+          </p:cNvPicPr>
+          <p:nvPr/>
+        </p:nvPicPr>
+        <p:blipFill>
+          <a:blip r:embed="rId5" cstate="print">
+            <a:extLst>
+              <a:ext uri="{28A0092B-C50C-407E-A947-70E740481C1C}">
+                <a14:useLocalDpi xmlns:a14="http://schemas.microsoft.com/office/drawing/2010/main" val="0"/>
+              </a:ext>
+            </a:extLst>
+          </a:blip>
+          <a:srcRect t="7034" b="19033"/>
+          <a:stretch>
+            <a:fillRect/>
+          </a:stretch>
+        </p:blipFill>
+        <p:spPr>
+          <a:xfrm>
+            <a:off x="8874683" y="4342489"/>
+            <a:ext cx="610502" cy="361575"/>
+          </a:xfrm>
+          <a:prstGeom prst="rect">
+            <a:avLst/>
+          </a:prstGeom>
+        </p:spPr>
+      </p:pic>
     </p:spTree>
     <p:extLst>
       <p:ext uri="{BB962C8B-B14F-4D97-AF65-F5344CB8AC3E}">
@@ -8224,6 +8858,9 @@
                     <p:cTn id="3" fill="hold">
                       <p:stCondLst>
                         <p:cond delay="indefinite"/>
+                        <p:cond evt="onBegin" delay="0">
+                          <p:tn val="2"/>
+                        </p:cond>
                       </p:stCondLst>
                       <p:childTnLst>
                         <p:par>
@@ -8233,14 +8870,58 @@
                             </p:stCondLst>
                             <p:childTnLst>
                               <p:par>
-                                <p:cTn id="5" presetID="10" presetClass="exit" presetSubtype="0" fill="hold" grpId="0" nodeType="clickEffect">
+                                <p:cTn id="5" presetID="10" presetClass="entr" presetSubtype="0" fill="hold" grpId="0" nodeType="afterEffect">
+                                  <p:stCondLst>
+                                    <p:cond delay="0"/>
+                                  </p:stCondLst>
+                                  <p:childTnLst>
+                                    <p:set>
+                                      <p:cBhvr>
+                                        <p:cTn id="6" dur="1" fill="hold">
+                                          <p:stCondLst>
+                                            <p:cond delay="0"/>
+                                          </p:stCondLst>
+                                        </p:cTn>
+                                        <p:tgtEl>
+                                          <p:spTgt spid="12"/>
+                                        </p:tgtEl>
+                                        <p:attrNameLst>
+                                          <p:attrName>style.visibility</p:attrName>
+                                        </p:attrNameLst>
+                                      </p:cBhvr>
+                                      <p:to>
+                                        <p:strVal val="visible"/>
+                                      </p:to>
+                                    </p:set>
+                                    <p:animEffect transition="in" filter="fade">
+                                      <p:cBhvr>
+                                        <p:cTn id="7" dur="500"/>
+                                        <p:tgtEl>
+                                          <p:spTgt spid="12"/>
+                                        </p:tgtEl>
+                                      </p:cBhvr>
+                                    </p:animEffect>
+                                  </p:childTnLst>
+                                </p:cTn>
+                              </p:par>
+                            </p:childTnLst>
+                          </p:cTn>
+                        </p:par>
+                        <p:par>
+                          <p:cTn id="8" fill="hold">
+                            <p:stCondLst>
+                              <p:cond delay="500"/>
+                            </p:stCondLst>
+                            <p:childTnLst>
+                              <p:par>
+                                <p:cTn id="9" presetID="10" presetClass="exit" presetSubtype="0" fill="hold" grpId="0" nodeType="afterEffect">
                                   <p:stCondLst>
                                     <p:cond delay="0"/>
                                   </p:stCondLst>
                                   <p:childTnLst>
                                     <p:animEffect transition="out" filter="fade">
                                       <p:cBhvr>
-                                        <p:cTn id="6" dur="500"/>
+                                        <p:cTn id="10" dur="500"/>
                                         <p:tgtEl>
                                           <p:spTgt spid="46"/>
                                         </p:tgtEl>
@@ -8248,7 +8929,7 @@
                                     </p:animEffect>
                                     <p:set>
                                       <p:cBhvr>
-                                        <p:cTn id="7" dur="1" fill="hold">
+                                        <p:cTn id="11" dur="1" fill="hold">
                                           <p:stCondLst>
                                             <p:cond delay="499"/>
                                           </p:stCondLst>
@@ -8264,50 +8945,6 @@
                                         <p:strVal val="hidden"/>
                                       </p:to>
                                     </p:set>
-                                  </p:childTnLst>
-                                </p:cTn>
-                              </p:par>
-                            </p:childTnLst>
-                          </p:cTn>
-                        </p:par>
-                        <p:par>
-                          <p:cTn id="8" fill="hold">
-                            <p:stCondLst>
-                              <p:cond delay="500"/>
-                            </p:stCondLst>
-                            <p:childTnLst>
-                              <p:par>
-                                <p:cTn id="9" presetID="10" presetClass="entr" presetSubtype="0" fill="hold" nodeType="afterEffect">
-                                  <p:stCondLst>
-                                    <p:cond delay="0"/>
-                                  </p:stCondLst>
-                                  <p:childTnLst>
-                                    <p:set>
-                                      <p:cBhvr>
-                                        <p:cTn id="10" dur="1" fill="hold">
-                                          <p:stCondLst>
-                                            <p:cond delay="0"/>
-                                          </p:stCondLst>
-                                        </p:cTn>
-                                        <p:tgtEl>
-                                          <p:spTgt spid="1026"/>
-                                        </p:tgtEl>
-                                        <p:attrNameLst>
-                                          <p:attrName>style.visibility</p:attrName>
-                                        </p:attrNameLst>
-                                      </p:cBhvr>
-                                      <p:to>
-                                        <p:strVal val="visible"/>
-                                      </p:to>
-                                    </p:set>
-                                    <p:animEffect transition="in" filter="fade">
-                                      <p:cBhvr>
-                                        <p:cTn id="11" dur="500"/>
-                                        <p:tgtEl>
-                                          <p:spTgt spid="1026"/>
-                                        </p:tgtEl>
-                                      </p:cBhvr>
-                                    </p:animEffect>
                                   </p:childTnLst>
                                 </p:cTn>
                               </p:par>
@@ -8334,7 +8971,7 @@
                                           </p:stCondLst>
                                         </p:cTn>
                                         <p:tgtEl>
-                                          <p:spTgt spid="12"/>
+                                          <p:spTgt spid="13"/>
                                         </p:tgtEl>
                                         <p:attrNameLst>
                                           <p:attrName>style.visibility</p:attrName>
@@ -8348,22 +8985,31 @@
                                       <p:cBhvr>
                                         <p:cTn id="15" dur="500"/>
                                         <p:tgtEl>
-                                          <p:spTgt spid="12"/>
+                                          <p:spTgt spid="13"/>
                                         </p:tgtEl>
                                       </p:cBhvr>
                                     </p:animEffect>
                                   </p:childTnLst>
                                 </p:cTn>
                               </p:par>
+                            </p:childTnLst>
+                          </p:cTn>
+                        </p:par>
+                        <p:par>
+                          <p:cTn id="16" fill="hold">
+                            <p:stCondLst>
+                              <p:cond delay="1500"/>
+                            </p:stCondLst>
+                            <p:childTnLst>
                               <p:par>
-                                <p:cTn id="16" presetID="10" presetClass="exit" presetSubtype="0" fill="hold" grpId="0" nodeType="withEffect">
+                                <p:cTn id="17" presetID="10" presetClass="exit" presetSubtype="0" fill="hold" grpId="0" nodeType="afterEffect">
                                   <p:stCondLst>
                                     <p:cond delay="0"/>
                                   </p:stCondLst>
                                   <p:childTnLst>
                                     <p:animEffect transition="out" filter="fade">
                                       <p:cBhvr>
-                                        <p:cTn id="17" dur="500"/>
+                                        <p:cTn id="18" dur="500"/>
                                         <p:tgtEl>
                                           <p:spTgt spid="3"/>
                                         </p:tgtEl>
@@ -8371,7 +9017,7 @@
                                     </p:animEffect>
                                     <p:set>
                                       <p:cBhvr>
-                                        <p:cTn id="18" dur="1" fill="hold">
+                                        <p:cTn id="19" dur="1" fill="hold">
                                           <p:stCondLst>
                                             <p:cond delay="499"/>
                                           </p:stCondLst>
@@ -8394,26 +9040,26 @@
                           </p:cTn>
                         </p:par>
                         <p:par>
-                          <p:cTn id="19" fill="hold">
+                          <p:cTn id="20" fill="hold">
                             <p:stCondLst>
-                              <p:cond delay="1500"/>
+                              <p:cond delay="2000"/>
                             </p:stCondLst>
                             <p:childTnLst>
                               <p:par>
-                                <p:cTn id="20" presetID="10" presetClass="entr" presetSubtype="0" fill="hold" nodeType="afterEffect">
+                                <p:cTn id="21" presetID="10" presetClass="entr" presetSubtype="0" fill="hold" grpId="0" nodeType="afterEffect">
                                   <p:stCondLst>
                                     <p:cond delay="0"/>
                                   </p:stCondLst>
                                   <p:childTnLst>
                                     <p:set>
                                       <p:cBhvr>
-                                        <p:cTn id="21" dur="1" fill="hold">
+                                        <p:cTn id="22" dur="1" fill="hold">
                                           <p:stCondLst>
                                             <p:cond delay="0"/>
                                           </p:stCondLst>
                                         </p:cTn>
                                         <p:tgtEl>
-                                          <p:spTgt spid="9"/>
+                                          <p:spTgt spid="14"/>
                                         </p:tgtEl>
                                         <p:attrNameLst>
                                           <p:attrName>style.visibility</p:attrName>
@@ -8425,9 +9071,9 @@
                                     </p:set>
                                     <p:animEffect transition="in" filter="fade">
                                       <p:cBhvr>
-                                        <p:cTn id="22" dur="500"/>
+                                        <p:cTn id="23" dur="500"/>
                                         <p:tgtEl>
-                                          <p:spTgt spid="9"/>
+                                          <p:spTgt spid="14"/>
                                         </p:tgtEl>
                                       </p:cBhvr>
                                     </p:animEffect>
@@ -8438,64 +9084,20 @@
                           </p:cTn>
                         </p:par>
                         <p:par>
-                          <p:cTn id="23" fill="hold">
+                          <p:cTn id="24" fill="hold">
                             <p:stCondLst>
-                              <p:cond delay="2000"/>
+                              <p:cond delay="2500"/>
                             </p:stCondLst>
                             <p:childTnLst>
                               <p:par>
-                                <p:cTn id="24" presetID="10" presetClass="entr" presetSubtype="0" fill="hold" grpId="0" nodeType="afterEffect">
-                                  <p:stCondLst>
-                                    <p:cond delay="0"/>
-                                  </p:stCondLst>
-                                  <p:childTnLst>
-                                    <p:set>
-                                      <p:cBhvr>
-                                        <p:cTn id="25" dur="1" fill="hold">
-                                          <p:stCondLst>
-                                            <p:cond delay="0"/>
-                                          </p:stCondLst>
-                                        </p:cTn>
-                                        <p:tgtEl>
-                                          <p:spTgt spid="13"/>
-                                        </p:tgtEl>
-                                        <p:attrNameLst>
-                                          <p:attrName>style.visibility</p:attrName>
-                                        </p:attrNameLst>
-                                      </p:cBhvr>
-                                      <p:to>
-                                        <p:strVal val="visible"/>
-                                      </p:to>
-                                    </p:set>
-                                    <p:animEffect transition="in" filter="fade">
-                                      <p:cBhvr>
-                                        <p:cTn id="26" dur="500"/>
-                                        <p:tgtEl>
-                                          <p:spTgt spid="13"/>
-                                        </p:tgtEl>
-                                      </p:cBhvr>
-                                    </p:animEffect>
-                                  </p:childTnLst>
-                                </p:cTn>
-                              </p:par>
-                            </p:childTnLst>
-                          </p:cTn>
-                        </p:par>
-                        <p:par>
-                          <p:cTn id="27" fill="hold">
-                            <p:stCondLst>
-                              <p:cond delay="3000"/>
-                            </p:stCondLst>
-                            <p:childTnLst>
-                              <p:par>
-                                <p:cTn id="28" presetID="10" presetClass="exit" presetSubtype="0" fill="hold" grpId="0" nodeType="afterEffect">
+                                <p:cTn id="25" presetID="10" presetClass="exit" presetSubtype="0" fill="hold" grpId="0" nodeType="afterEffect">
                                   <p:stCondLst>
                                     <p:cond delay="0"/>
                                   </p:stCondLst>
                                   <p:childTnLst>
                                     <p:animEffect transition="out" filter="fade">
                                       <p:cBhvr>
-                                        <p:cTn id="29" dur="500"/>
+                                        <p:cTn id="26" dur="500"/>
                                         <p:tgtEl>
                                           <p:spTgt spid="48"/>
                                         </p:tgtEl>
@@ -8503,7 +9105,7 @@
                                     </p:animEffect>
                                     <p:set>
                                       <p:cBhvr>
-                                        <p:cTn id="30" dur="1" fill="hold">
+                                        <p:cTn id="27" dur="1" fill="hold">
                                           <p:stCondLst>
                                             <p:cond delay="499"/>
                                           </p:stCondLst>
@@ -8526,196 +9128,20 @@
                           </p:cTn>
                         </p:par>
                         <p:par>
-                          <p:cTn id="31" fill="hold">
+                          <p:cTn id="28" fill="hold">
                             <p:stCondLst>
-                              <p:cond delay="3500"/>
+                              <p:cond delay="3000"/>
                             </p:stCondLst>
                             <p:childTnLst>
                               <p:par>
-                                <p:cTn id="32" presetID="10" presetClass="entr" presetSubtype="0" fill="hold" nodeType="afterEffect">
+                                <p:cTn id="29" presetID="10" presetClass="entr" presetSubtype="0" fill="hold" grpId="0" nodeType="afterEffect">
                                   <p:stCondLst>
                                     <p:cond delay="0"/>
                                   </p:stCondLst>
                                   <p:childTnLst>
                                     <p:set>
                                       <p:cBhvr>
-                                        <p:cTn id="33" dur="1" fill="hold">
-                                          <p:stCondLst>
-                                            <p:cond delay="0"/>
-                                          </p:stCondLst>
-                                        </p:cTn>
-                                        <p:tgtEl>
-                                          <p:spTgt spid="10"/>
-                                        </p:tgtEl>
-                                        <p:attrNameLst>
-                                          <p:attrName>style.visibility</p:attrName>
-                                        </p:attrNameLst>
-                                      </p:cBhvr>
-                                      <p:to>
-                                        <p:strVal val="visible"/>
-                                      </p:to>
-                                    </p:set>
-                                    <p:animEffect transition="in" filter="fade">
-                                      <p:cBhvr>
-                                        <p:cTn id="34" dur="500"/>
-                                        <p:tgtEl>
-                                          <p:spTgt spid="10"/>
-                                        </p:tgtEl>
-                                      </p:cBhvr>
-                                    </p:animEffect>
-                                  </p:childTnLst>
-                                </p:cTn>
-                              </p:par>
-                            </p:childTnLst>
-                          </p:cTn>
-                        </p:par>
-                        <p:par>
-                          <p:cTn id="35" fill="hold">
-                            <p:stCondLst>
-                              <p:cond delay="4000"/>
-                            </p:stCondLst>
-                            <p:childTnLst>
-                              <p:par>
-                                <p:cTn id="36" presetID="10" presetClass="entr" presetSubtype="0" fill="hold" grpId="0" nodeType="afterEffect">
-                                  <p:stCondLst>
-                                    <p:cond delay="0"/>
-                                  </p:stCondLst>
-                                  <p:childTnLst>
-                                    <p:set>
-                                      <p:cBhvr>
-                                        <p:cTn id="37" dur="1" fill="hold">
-                                          <p:stCondLst>
-                                            <p:cond delay="0"/>
-                                          </p:stCondLst>
-                                        </p:cTn>
-                                        <p:tgtEl>
-                                          <p:spTgt spid="14"/>
-                                        </p:tgtEl>
-                                        <p:attrNameLst>
-                                          <p:attrName>style.visibility</p:attrName>
-                                        </p:attrNameLst>
-                                      </p:cBhvr>
-                                      <p:to>
-                                        <p:strVal val="visible"/>
-                                      </p:to>
-                                    </p:set>
-                                    <p:animEffect transition="in" filter="fade">
-                                      <p:cBhvr>
-                                        <p:cTn id="38" dur="500"/>
-                                        <p:tgtEl>
-                                          <p:spTgt spid="14"/>
-                                        </p:tgtEl>
-                                      </p:cBhvr>
-                                    </p:animEffect>
-                                  </p:childTnLst>
-                                </p:cTn>
-                              </p:par>
-                            </p:childTnLst>
-                          </p:cTn>
-                        </p:par>
-                        <p:par>
-                          <p:cTn id="39" fill="hold">
-                            <p:stCondLst>
-                              <p:cond delay="4500"/>
-                            </p:stCondLst>
-                            <p:childTnLst>
-                              <p:par>
-                                <p:cTn id="40" presetID="10" presetClass="exit" presetSubtype="0" fill="hold" grpId="0" nodeType="afterEffect">
-                                  <p:stCondLst>
-                                    <p:cond delay="0"/>
-                                  </p:stCondLst>
-                                  <p:childTnLst>
-                                    <p:animEffect transition="out" filter="fade">
-                                      <p:cBhvr>
-                                        <p:cTn id="41" dur="500"/>
-                                        <p:tgtEl>
-                                          <p:spTgt spid="49"/>
-                                        </p:tgtEl>
-                                      </p:cBhvr>
-                                    </p:animEffect>
-                                    <p:set>
-                                      <p:cBhvr>
-                                        <p:cTn id="42" dur="1" fill="hold">
-                                          <p:stCondLst>
-                                            <p:cond delay="499"/>
-                                          </p:stCondLst>
-                                        </p:cTn>
-                                        <p:tgtEl>
-                                          <p:spTgt spid="49"/>
-                                        </p:tgtEl>
-                                        <p:attrNameLst>
-                                          <p:attrName>style.visibility</p:attrName>
-                                        </p:attrNameLst>
-                                      </p:cBhvr>
-                                      <p:to>
-                                        <p:strVal val="hidden"/>
-                                      </p:to>
-                                    </p:set>
-                                  </p:childTnLst>
-                                </p:cTn>
-                              </p:par>
-                            </p:childTnLst>
-                          </p:cTn>
-                        </p:par>
-                        <p:par>
-                          <p:cTn id="43" fill="hold">
-                            <p:stCondLst>
-                              <p:cond delay="5000"/>
-                            </p:stCondLst>
-                            <p:childTnLst>
-                              <p:par>
-                                <p:cTn id="44" presetID="10" presetClass="entr" presetSubtype="0" fill="hold" nodeType="afterEffect">
-                                  <p:stCondLst>
-                                    <p:cond delay="0"/>
-                                  </p:stCondLst>
-                                  <p:childTnLst>
-                                    <p:set>
-                                      <p:cBhvr>
-                                        <p:cTn id="45" dur="1" fill="hold">
-                                          <p:stCondLst>
-                                            <p:cond delay="0"/>
-                                          </p:stCondLst>
-                                        </p:cTn>
-                                        <p:tgtEl>
-                                          <p:spTgt spid="11"/>
-                                        </p:tgtEl>
-                                        <p:attrNameLst>
-                                          <p:attrName>style.visibility</p:attrName>
-                                        </p:attrNameLst>
-                                      </p:cBhvr>
-                                      <p:to>
-                                        <p:strVal val="visible"/>
-                                      </p:to>
-                                    </p:set>
-                                    <p:animEffect transition="in" filter="fade">
-                                      <p:cBhvr>
-                                        <p:cTn id="46" dur="500"/>
-                                        <p:tgtEl>
-                                          <p:spTgt spid="11"/>
-                                        </p:tgtEl>
-                                      </p:cBhvr>
-                                    </p:animEffect>
-                                  </p:childTnLst>
-                                </p:cTn>
-                              </p:par>
-                            </p:childTnLst>
-                          </p:cTn>
-                        </p:par>
-                        <p:par>
-                          <p:cTn id="47" fill="hold">
-                            <p:stCondLst>
-                              <p:cond delay="5500"/>
-                            </p:stCondLst>
-                            <p:childTnLst>
-                              <p:par>
-                                <p:cTn id="48" presetID="10" presetClass="entr" presetSubtype="0" fill="hold" grpId="0" nodeType="afterEffect">
-                                  <p:stCondLst>
-                                    <p:cond delay="0"/>
-                                  </p:stCondLst>
-                                  <p:childTnLst>
-                                    <p:set>
-                                      <p:cBhvr>
-                                        <p:cTn id="49" dur="1" fill="hold">
+                                        <p:cTn id="30" dur="1" fill="hold">
                                           <p:stCondLst>
                                             <p:cond delay="0"/>
                                           </p:stCondLst>
@@ -8733,12 +9159,56 @@
                                     </p:set>
                                     <p:animEffect transition="in" filter="fade">
                                       <p:cBhvr>
-                                        <p:cTn id="50" dur="500"/>
+                                        <p:cTn id="31" dur="500"/>
                                         <p:tgtEl>
                                           <p:spTgt spid="15"/>
                                         </p:tgtEl>
                                       </p:cBhvr>
                                     </p:animEffect>
+                                  </p:childTnLst>
+                                </p:cTn>
+                              </p:par>
+                            </p:childTnLst>
+                          </p:cTn>
+                        </p:par>
+                        <p:par>
+                          <p:cTn id="32" fill="hold">
+                            <p:stCondLst>
+                              <p:cond delay="3500"/>
+                            </p:stCondLst>
+                            <p:childTnLst>
+                              <p:par>
+                                <p:cTn id="33" presetID="10" presetClass="exit" presetSubtype="0" fill="hold" grpId="0" nodeType="afterEffect">
+                                  <p:stCondLst>
+                                    <p:cond delay="0"/>
+                                  </p:stCondLst>
+                                  <p:childTnLst>
+                                    <p:animEffect transition="out" filter="fade">
+                                      <p:cBhvr>
+                                        <p:cTn id="34" dur="500"/>
+                                        <p:tgtEl>
+                                          <p:spTgt spid="49"/>
+                                        </p:tgtEl>
+                                      </p:cBhvr>
+                                    </p:animEffect>
+                                    <p:set>
+                                      <p:cBhvr>
+                                        <p:cTn id="35" dur="1" fill="hold">
+                                          <p:stCondLst>
+                                            <p:cond delay="499"/>
+                                          </p:stCondLst>
+                                        </p:cTn>
+                                        <p:tgtEl>
+                                          <p:spTgt spid="49"/>
+                                        </p:tgtEl>
+                                        <p:attrNameLst>
+                                          <p:attrName>style.visibility</p:attrName>
+                                        </p:attrNameLst>
+                                      </p:cBhvr>
+                                      <p:to>
+                                        <p:strVal val="hidden"/>
+                                      </p:to>
+                                    </p:set>
                                   </p:childTnLst>
                                 </p:cTn>
                               </p:par>
@@ -8791,7 +9261,7 @@
         <p:cNvPr id="1" name="">
           <a:extLst>
             <a:ext uri="{FF2B5EF4-FFF2-40B4-BE49-F238E27FC236}">
-              <a16:creationId xmlns:a16="http://schemas.microsoft.com/office/drawing/2014/main" id="{7FEE132D-FCBF-AB0D-1853-C7810B6680F2}"/>
+              <a16:creationId xmlns:a16="http://schemas.microsoft.com/office/drawing/2014/main" id="{099C5173-1F17-21E5-0AB0-6447E96F0E26}"/>
             </a:ext>
           </a:extLst>
         </p:cNvPr>
@@ -8811,7 +9281,7 @@
           <p:cNvPr id="2" name="Titolo 1">
             <a:extLst>
               <a:ext uri="{FF2B5EF4-FFF2-40B4-BE49-F238E27FC236}">
-                <a16:creationId xmlns:a16="http://schemas.microsoft.com/office/drawing/2014/main" id="{6B3C0C26-0FC9-85A0-5567-B53D9833CC0E}"/>
+                <a16:creationId xmlns:a16="http://schemas.microsoft.com/office/drawing/2014/main" id="{207C92FD-97DB-3BD4-D308-A24CF0CAE4C4}"/>
               </a:ext>
             </a:extLst>
           </p:cNvPr>
@@ -8824,57 +9294,930 @@
         </p:nvSpPr>
         <p:spPr>
           <a:xfrm>
-            <a:off x="2477277" y="2766218"/>
-            <a:ext cx="7237445" cy="1325563"/>
+            <a:off x="609600" y="589415"/>
+            <a:ext cx="10972800" cy="1325563"/>
           </a:xfrm>
         </p:spPr>
         <p:txBody>
           <a:bodyPr>
-            <a:noAutofit/>
+            <a:normAutofit/>
           </a:bodyPr>
           <a:lstStyle/>
           <a:p>
-            <a:pPr algn="ctr"/>
-            <a:r>
-              <a:rPr lang="it-IT" sz="8000" b="1" dirty="0">
+            <a:r>
+              <a:rPr lang="it-IT" sz="6600" b="1" dirty="0">
                 <a:cs typeface="Posterama"/>
               </a:rPr>
-              <a:t>FINE</a:t>
-            </a:r>
-            <a:br>
-              <a:rPr lang="it-IT" sz="8000" b="1" dirty="0">
-                <a:cs typeface="Posterama"/>
-              </a:rPr>
-            </a:br>
-            <a:r>
-              <a:rPr lang="it-IT" sz="3600" b="1" dirty="0">
-                <a:cs typeface="Posterama"/>
-              </a:rPr>
-              <a:t>GRAZIE PER L’ATTENZIONE</a:t>
-            </a:r>
-            <a:endParaRPr lang="it-IT" sz="8000" b="1" dirty="0">
-              <a:cs typeface="Posterama"/>
-            </a:endParaRPr>
-          </a:p>
-        </p:txBody>
-      </p:sp>
+              <a:t>BINDING E LINKING</a:t>
+            </a:r>
+          </a:p>
+        </p:txBody>
+      </p:sp>
+      <p:sp>
+        <p:nvSpPr>
+          <p:cNvPr id="4" name="CasellaDiTesto 3">
+            <a:extLst>
+              <a:ext uri="{FF2B5EF4-FFF2-40B4-BE49-F238E27FC236}">
+                <a16:creationId xmlns:a16="http://schemas.microsoft.com/office/drawing/2014/main" id="{1A3D1F0C-50DC-1267-BAA8-FA95C5BA7879}"/>
+              </a:ext>
+            </a:extLst>
+          </p:cNvPr>
+          <p:cNvSpPr txBox="1"/>
+          <p:nvPr/>
+        </p:nvSpPr>
+        <p:spPr>
+          <a:xfrm>
+            <a:off x="715992" y="2303253"/>
+            <a:ext cx="9294783" cy="2308324"/>
+          </a:xfrm>
+          <a:prstGeom prst="rect">
+            <a:avLst/>
+          </a:prstGeom>
+          <a:noFill/>
+        </p:spPr>
+        <p:txBody>
+          <a:bodyPr wrap="square" rtlCol="0">
+            <a:spAutoFit/>
+          </a:bodyPr>
+          <a:lstStyle/>
+          <a:p>
+            <a:pPr marL="285750" indent="-285750">
+              <a:buFont typeface="Arial" panose="020B0604020202020204" pitchFamily="34" charset="0"/>
+              <a:buChar char="•"/>
+            </a:pPr>
+            <a:r>
+              <a:rPr lang="it-IT" sz="3600" b="1" dirty="0"/>
+              <a:t>BINDING</a:t>
+            </a:r>
+            <a:r>
+              <a:rPr lang="it-IT" sz="3600" dirty="0"/>
+              <a:t>	</a:t>
+            </a:r>
+            <a:r>
+              <a:rPr lang="it-IT" sz="2800" dirty="0"/>
+              <a:t>Passaggio da indirizzo Logico a Fisico</a:t>
+            </a:r>
+            <a:r>
+              <a:rPr lang="it-IT" sz="3600" dirty="0"/>
+              <a:t> </a:t>
+            </a:r>
+          </a:p>
+          <a:p>
+            <a:pPr marL="285750" indent="-285750">
+              <a:buFont typeface="Arial" panose="020B0604020202020204" pitchFamily="34" charset="0"/>
+              <a:buChar char="•"/>
+            </a:pPr>
+            <a:endParaRPr lang="it-IT" sz="3600" dirty="0"/>
+          </a:p>
+          <a:p>
+            <a:pPr marL="285750" indent="-285750">
+              <a:buFont typeface="Arial" panose="020B0604020202020204" pitchFamily="34" charset="0"/>
+              <a:buChar char="•"/>
+            </a:pPr>
+            <a:endParaRPr lang="it-IT" sz="3600" dirty="0"/>
+          </a:p>
+          <a:p>
+            <a:pPr marL="285750" indent="-285750">
+              <a:buFont typeface="Arial" panose="020B0604020202020204" pitchFamily="34" charset="0"/>
+              <a:buChar char="•"/>
+            </a:pPr>
+            <a:r>
+              <a:rPr lang="it-IT" sz="3600" b="1" dirty="0"/>
+              <a:t>LINKING</a:t>
+            </a:r>
+            <a:r>
+              <a:rPr lang="it-IT" sz="3600" dirty="0"/>
+              <a:t>	</a:t>
+            </a:r>
+            <a:r>
+              <a:rPr lang="it-IT" sz="2800" dirty="0"/>
+              <a:t>Calcolo degli indirizzi Logici</a:t>
+            </a:r>
+            <a:endParaRPr lang="it-IT" sz="3600" dirty="0"/>
+          </a:p>
+        </p:txBody>
+      </p:sp>
+      <p:pic>
+        <p:nvPicPr>
+          <p:cNvPr id="5" name="Immagine 4">
+            <a:extLst>
+              <a:ext uri="{FF2B5EF4-FFF2-40B4-BE49-F238E27FC236}">
+                <a16:creationId xmlns:a16="http://schemas.microsoft.com/office/drawing/2014/main" id="{2DE3D9EC-6DF8-761A-E878-28864FBF8602}"/>
+              </a:ext>
+            </a:extLst>
+          </p:cNvPr>
+          <p:cNvPicPr>
+            <a:picLocks noChangeAspect="1"/>
+          </p:cNvPicPr>
+          <p:nvPr/>
+        </p:nvPicPr>
+        <p:blipFill>
+          <a:blip r:embed="rId2" cstate="print">
+            <a:extLst>
+              <a:ext uri="{28A0092B-C50C-407E-A947-70E740481C1C}">
+                <a14:useLocalDpi xmlns:a14="http://schemas.microsoft.com/office/drawing/2010/main" val="0"/>
+              </a:ext>
+            </a:extLst>
+          </a:blip>
+          <a:srcRect t="7034" b="19033"/>
+          <a:stretch>
+            <a:fillRect/>
+          </a:stretch>
+        </p:blipFill>
+        <p:spPr>
+          <a:xfrm>
+            <a:off x="2733336" y="2404498"/>
+            <a:ext cx="806618" cy="452050"/>
+          </a:xfrm>
+          <a:prstGeom prst="rect">
+            <a:avLst/>
+          </a:prstGeom>
+        </p:spPr>
+      </p:pic>
+      <p:pic>
+        <p:nvPicPr>
+          <p:cNvPr id="6" name="Immagine 5">
+            <a:extLst>
+              <a:ext uri="{FF2B5EF4-FFF2-40B4-BE49-F238E27FC236}">
+                <a16:creationId xmlns:a16="http://schemas.microsoft.com/office/drawing/2014/main" id="{AAB15253-8ED9-243F-C3E3-B26BCAD02B99}"/>
+              </a:ext>
+            </a:extLst>
+          </p:cNvPr>
+          <p:cNvPicPr>
+            <a:picLocks noChangeAspect="1"/>
+          </p:cNvPicPr>
+          <p:nvPr/>
+        </p:nvPicPr>
+        <p:blipFill>
+          <a:blip r:embed="rId2" cstate="print">
+            <a:extLst>
+              <a:ext uri="{28A0092B-C50C-407E-A947-70E740481C1C}">
+                <a14:useLocalDpi xmlns:a14="http://schemas.microsoft.com/office/drawing/2010/main" val="0"/>
+              </a:ext>
+            </a:extLst>
+          </a:blip>
+          <a:srcRect t="7034" b="19033"/>
+          <a:stretch>
+            <a:fillRect/>
+          </a:stretch>
+        </p:blipFill>
+        <p:spPr>
+          <a:xfrm>
+            <a:off x="2676186" y="4044079"/>
+            <a:ext cx="806618" cy="452050"/>
+          </a:xfrm>
+          <a:prstGeom prst="rect">
+            <a:avLst/>
+          </a:prstGeom>
+        </p:spPr>
+      </p:pic>
     </p:spTree>
     <p:extLst>
       <p:ext uri="{BB962C8B-B14F-4D97-AF65-F5344CB8AC3E}">
-        <p14:creationId xmlns:p14="http://schemas.microsoft.com/office/powerpoint/2010/main" val="2011883623"/>
+        <p14:creationId xmlns:p14="http://schemas.microsoft.com/office/powerpoint/2010/main" val="2088901044"/>
       </p:ext>
     </p:extLst>
   </p:cSld>
   <p:clrMapOvr>
     <a:masterClrMapping/>
   </p:clrMapOvr>
-  <mc:AlternateContent xmlns:mc="http://schemas.openxmlformats.org/markup-compatibility/2006" xmlns:p159="http://schemas.microsoft.com/office/powerpoint/2015/09/main">
-    <mc:Choice Requires="p159">
+  <mc:AlternateContent xmlns:mc="http://schemas.openxmlformats.org/markup-compatibility/2006">
+    <mc:Choice xmlns:p159="http://schemas.microsoft.com/office/powerpoint/2015/09/main" Requires="p159">
       <p:transition xmlns:p14="http://schemas.microsoft.com/office/powerpoint/2010/main" spd="slow" p14:dur="2000">
         <p159:morph option="byObject"/>
       </p:transition>
     </mc:Choice>
-    <mc:Fallback xmlns="">
+    <mc:Fallback>
+      <p:transition spd="slow">
+        <p:fade/>
+      </p:transition>
+    </mc:Fallback>
+  </mc:AlternateContent>
+</p:sld>
+</file>
+
+<file path=ppt/slides/slide8.xml><?xml version="1.0" encoding="utf-8"?>
+<p:sld xmlns:a="http://schemas.openxmlformats.org/drawingml/2006/main" xmlns:r="http://schemas.openxmlformats.org/officeDocument/2006/relationships" xmlns:p="http://schemas.openxmlformats.org/presentationml/2006/main">
+  <p:cSld>
+    <p:spTree>
+      <p:nvGrpSpPr>
+        <p:cNvPr id="1" name="">
+          <a:extLst>
+            <a:ext uri="{FF2B5EF4-FFF2-40B4-BE49-F238E27FC236}">
+              <a16:creationId xmlns:a16="http://schemas.microsoft.com/office/drawing/2014/main" id="{C171F5F2-49BC-16B9-D93B-85CB7CE8510D}"/>
+            </a:ext>
+          </a:extLst>
+        </p:cNvPr>
+        <p:cNvGrpSpPr/>
+        <p:nvPr/>
+      </p:nvGrpSpPr>
+      <p:grpSpPr>
+        <a:xfrm>
+          <a:off x="0" y="0"/>
+          <a:ext cx="0" cy="0"/>
+          <a:chOff x="0" y="0"/>
+          <a:chExt cx="0" cy="0"/>
+        </a:xfrm>
+      </p:grpSpPr>
+      <p:sp>
+        <p:nvSpPr>
+          <p:cNvPr id="2" name="Titolo 1">
+            <a:extLst>
+              <a:ext uri="{FF2B5EF4-FFF2-40B4-BE49-F238E27FC236}">
+                <a16:creationId xmlns:a16="http://schemas.microsoft.com/office/drawing/2014/main" id="{231C524B-9E0B-4229-9B2B-FBDB3FDE6BDB}"/>
+              </a:ext>
+            </a:extLst>
+          </p:cNvPr>
+          <p:cNvSpPr>
+            <a:spLocks noGrp="1"/>
+          </p:cNvSpPr>
+          <p:nvPr>
+            <p:ph type="title"/>
+          </p:nvPr>
+        </p:nvSpPr>
+        <p:spPr>
+          <a:xfrm>
+            <a:off x="419100" y="-22766"/>
+            <a:ext cx="5715000" cy="2422979"/>
+          </a:xfrm>
+        </p:spPr>
+        <p:txBody>
+          <a:bodyPr>
+            <a:normAutofit fontScale="90000"/>
+          </a:bodyPr>
+          <a:lstStyle/>
+          <a:p>
+            <a:pPr algn="ctr"/>
+            <a:r>
+              <a:rPr lang="it-IT" sz="6000" b="1" dirty="0"/>
+              <a:t>L'OTTIMIZZAZIONE</a:t>
+            </a:r>
+            <a:br>
+              <a:rPr lang="it-IT" sz="6000" b="1" dirty="0"/>
+            </a:br>
+            <a:r>
+              <a:rPr lang="it-IT" sz="6000" b="1" dirty="0"/>
+              <a:t> DELLA MEMORIA</a:t>
+            </a:r>
+            <a:r>
+              <a:rPr lang="it-IT" sz="6000" dirty="0"/>
+              <a:t>​</a:t>
+            </a:r>
+            <a:endParaRPr lang="it-IT" sz="8000" b="1" dirty="0">
+              <a:cs typeface="Posterama"/>
+            </a:endParaRPr>
+          </a:p>
+        </p:txBody>
+      </p:sp>
+      <p:pic>
+        <p:nvPicPr>
+          <p:cNvPr id="2050" name="Picture 2" descr="Immagine che contiene schizzo, disegno, nero, bianco e nero&#10;&#10;Il contenuto generato dall&amp;#39;IA potrebbe non essere corretto.">
+            <a:extLst>
+              <a:ext uri="{FF2B5EF4-FFF2-40B4-BE49-F238E27FC236}">
+                <a16:creationId xmlns:a16="http://schemas.microsoft.com/office/drawing/2014/main" id="{96AFE8BC-79A1-4DE0-AA6B-E09751083B19}"/>
+              </a:ext>
+            </a:extLst>
+          </p:cNvPr>
+          <p:cNvPicPr>
+            <a:picLocks noChangeAspect="1" noChangeArrowheads="1"/>
+          </p:cNvPicPr>
+          <p:nvPr/>
+        </p:nvPicPr>
+        <p:blipFill>
+          <a:blip r:embed="rId2" cstate="print">
+            <a:extLst>
+              <a:ext uri="{28A0092B-C50C-407E-A947-70E740481C1C}">
+                <a14:useLocalDpi xmlns:a14="http://schemas.microsoft.com/office/drawing/2010/main" val="0"/>
+              </a:ext>
+            </a:extLst>
+          </a:blip>
+          <a:srcRect/>
+          <a:stretch>
+            <a:fillRect/>
+          </a:stretch>
+        </p:blipFill>
+        <p:spPr bwMode="auto">
+          <a:xfrm rot="21163923">
+            <a:off x="3760788" y="2419589"/>
+            <a:ext cx="860425" cy="860425"/>
+          </a:xfrm>
+          <a:prstGeom prst="rect">
+            <a:avLst/>
+          </a:prstGeom>
+          <a:noFill/>
+          <a:extLst>
+            <a:ext uri="{909E8E84-426E-40DD-AFC4-6F175D3DCCD1}">
+              <a14:hiddenFill xmlns:a14="http://schemas.microsoft.com/office/drawing/2010/main">
+                <a:solidFill>
+                  <a:srgbClr val="FFFFFF"/>
+                </a:solidFill>
+              </a14:hiddenFill>
+            </a:ext>
+          </a:extLst>
+        </p:spPr>
+      </p:pic>
+      <p:sp>
+        <p:nvSpPr>
+          <p:cNvPr id="3" name="CasellaDiTesto 2">
+            <a:extLst>
+              <a:ext uri="{FF2B5EF4-FFF2-40B4-BE49-F238E27FC236}">
+                <a16:creationId xmlns:a16="http://schemas.microsoft.com/office/drawing/2014/main" id="{55875C68-8CBF-9444-D303-73A001EB29CE}"/>
+              </a:ext>
+            </a:extLst>
+          </p:cNvPr>
+          <p:cNvSpPr txBox="1"/>
+          <p:nvPr/>
+        </p:nvSpPr>
+        <p:spPr>
+          <a:xfrm>
+            <a:off x="990600" y="2549619"/>
+            <a:ext cx="10261600" cy="646331"/>
+          </a:xfrm>
+          <a:prstGeom prst="rect">
+            <a:avLst/>
+          </a:prstGeom>
+          <a:noFill/>
+        </p:spPr>
+        <p:txBody>
+          <a:bodyPr wrap="square" rtlCol="0">
+            <a:spAutoFit/>
+          </a:bodyPr>
+          <a:lstStyle/>
+          <a:p>
+            <a:pPr marL="285750" indent="-285750">
+              <a:buFont typeface="Arial" panose="020B0604020202020204" pitchFamily="34" charset="0"/>
+              <a:buChar char="•"/>
+            </a:pPr>
+            <a:r>
+              <a:rPr lang="it-IT" sz="3600" b="1" dirty="0">
+                <a:ln>
+                  <a:solidFill>
+                    <a:sysClr val="windowText" lastClr="000000"/>
+                  </a:solidFill>
+                </a:ln>
+                <a:solidFill>
+                  <a:schemeClr val="accent1">
+                    <a:lumMod val="60000"/>
+                    <a:lumOff val="40000"/>
+                  </a:schemeClr>
+                </a:solidFill>
+              </a:rPr>
+              <a:t>SWAPPING</a:t>
+            </a:r>
+            <a:endParaRPr lang="it-IT" sz="3200" b="1" dirty="0">
+              <a:ln>
+                <a:solidFill>
+                  <a:sysClr val="windowText" lastClr="000000"/>
+                </a:solidFill>
+              </a:ln>
+              <a:solidFill>
+                <a:schemeClr val="accent1">
+                  <a:lumMod val="60000"/>
+                  <a:lumOff val="40000"/>
+                </a:schemeClr>
+              </a:solidFill>
+            </a:endParaRPr>
+          </a:p>
+        </p:txBody>
+      </p:sp>
+      <p:sp>
+        <p:nvSpPr>
+          <p:cNvPr id="7" name="CasellaDiTesto 6">
+            <a:extLst>
+              <a:ext uri="{FF2B5EF4-FFF2-40B4-BE49-F238E27FC236}">
+                <a16:creationId xmlns:a16="http://schemas.microsoft.com/office/drawing/2014/main" id="{21019E3B-6AD2-405A-885E-AF7E88FA41BB}"/>
+              </a:ext>
+            </a:extLst>
+          </p:cNvPr>
+          <p:cNvSpPr txBox="1"/>
+          <p:nvPr/>
+        </p:nvSpPr>
+        <p:spPr>
+          <a:xfrm>
+            <a:off x="5130800" y="2395732"/>
+            <a:ext cx="7061200" cy="954107"/>
+          </a:xfrm>
+          <a:prstGeom prst="rect">
+            <a:avLst/>
+          </a:prstGeom>
+          <a:noFill/>
+        </p:spPr>
+        <p:txBody>
+          <a:bodyPr wrap="square" rtlCol="0">
+            <a:spAutoFit/>
+          </a:bodyPr>
+          <a:lstStyle/>
+          <a:p>
+            <a:r>
+              <a:rPr lang="it-IT" sz="2800" b="1" dirty="0"/>
+              <a:t>CARICAMENTO TEMPORANEO DEI PROCESSI INATTIVI SD DALLA RAM AL DISCO FISSO   </a:t>
+            </a:r>
+          </a:p>
+        </p:txBody>
+      </p:sp>
+      <p:pic>
+        <p:nvPicPr>
+          <p:cNvPr id="8" name="Picture 2" descr="Immagine che contiene schizzo, disegno, nero, bianco e nero&#10;&#10;Il contenuto generato dall&amp;#39;IA potrebbe non essere corretto.">
+            <a:extLst>
+              <a:ext uri="{FF2B5EF4-FFF2-40B4-BE49-F238E27FC236}">
+                <a16:creationId xmlns:a16="http://schemas.microsoft.com/office/drawing/2014/main" id="{6E0820F0-C0A0-B852-8868-4848156D844C}"/>
+              </a:ext>
+            </a:extLst>
+          </p:cNvPr>
+          <p:cNvPicPr>
+            <a:picLocks noChangeAspect="1" noChangeArrowheads="1"/>
+          </p:cNvPicPr>
+          <p:nvPr/>
+        </p:nvPicPr>
+        <p:blipFill>
+          <a:blip r:embed="rId2" cstate="print">
+            <a:extLst>
+              <a:ext uri="{28A0092B-C50C-407E-A947-70E740481C1C}">
+                <a14:useLocalDpi xmlns:a14="http://schemas.microsoft.com/office/drawing/2010/main" val="0"/>
+              </a:ext>
+            </a:extLst>
+          </a:blip>
+          <a:srcRect/>
+          <a:stretch>
+            <a:fillRect/>
+          </a:stretch>
+        </p:blipFill>
+        <p:spPr bwMode="auto">
+          <a:xfrm rot="21163923">
+            <a:off x="4052888" y="4588962"/>
+            <a:ext cx="860425" cy="860425"/>
+          </a:xfrm>
+          <a:prstGeom prst="rect">
+            <a:avLst/>
+          </a:prstGeom>
+          <a:noFill/>
+          <a:extLst>
+            <a:ext uri="{909E8E84-426E-40DD-AFC4-6F175D3DCCD1}">
+              <a14:hiddenFill xmlns:a14="http://schemas.microsoft.com/office/drawing/2010/main">
+                <a:solidFill>
+                  <a:srgbClr val="FFFFFF"/>
+                </a:solidFill>
+              </a14:hiddenFill>
+            </a:ext>
+          </a:extLst>
+        </p:spPr>
+      </p:pic>
+      <p:sp>
+        <p:nvSpPr>
+          <p:cNvPr id="9" name="CasellaDiTesto 8">
+            <a:extLst>
+              <a:ext uri="{FF2B5EF4-FFF2-40B4-BE49-F238E27FC236}">
+                <a16:creationId xmlns:a16="http://schemas.microsoft.com/office/drawing/2014/main" id="{89492DF4-45E8-E6BD-88A4-01E09C3A0FF9}"/>
+              </a:ext>
+            </a:extLst>
+          </p:cNvPr>
+          <p:cNvSpPr txBox="1"/>
+          <p:nvPr/>
+        </p:nvSpPr>
+        <p:spPr>
+          <a:xfrm>
+            <a:off x="990600" y="4366214"/>
+            <a:ext cx="3492500" cy="1200329"/>
+          </a:xfrm>
+          <a:prstGeom prst="rect">
+            <a:avLst/>
+          </a:prstGeom>
+          <a:noFill/>
+        </p:spPr>
+        <p:txBody>
+          <a:bodyPr wrap="square" rtlCol="0">
+            <a:spAutoFit/>
+          </a:bodyPr>
+          <a:lstStyle/>
+          <a:p>
+            <a:pPr marL="285750" indent="-285750">
+              <a:buFont typeface="Arial" panose="020B0604020202020204" pitchFamily="34" charset="0"/>
+              <a:buChar char="•"/>
+            </a:pPr>
+            <a:r>
+              <a:rPr lang="it-IT" sz="3600" b="1" dirty="0">
+                <a:ln>
+                  <a:solidFill>
+                    <a:sysClr val="windowText" lastClr="000000"/>
+                  </a:solidFill>
+                </a:ln>
+                <a:solidFill>
+                  <a:schemeClr val="accent1">
+                    <a:lumMod val="60000"/>
+                    <a:lumOff val="40000"/>
+                  </a:schemeClr>
+                </a:solidFill>
+              </a:rPr>
+              <a:t>CARICAMENTODINAMICO</a:t>
+            </a:r>
+            <a:endParaRPr lang="it-IT" sz="3200" b="1" dirty="0">
+              <a:ln>
+                <a:solidFill>
+                  <a:sysClr val="windowText" lastClr="000000"/>
+                </a:solidFill>
+              </a:ln>
+              <a:solidFill>
+                <a:schemeClr val="accent1">
+                  <a:lumMod val="60000"/>
+                  <a:lumOff val="40000"/>
+                </a:schemeClr>
+              </a:solidFill>
+            </a:endParaRPr>
+          </a:p>
+        </p:txBody>
+      </p:sp>
+      <p:sp>
+        <p:nvSpPr>
+          <p:cNvPr id="10" name="CasellaDiTesto 9">
+            <a:extLst>
+              <a:ext uri="{FF2B5EF4-FFF2-40B4-BE49-F238E27FC236}">
+                <a16:creationId xmlns:a16="http://schemas.microsoft.com/office/drawing/2014/main" id="{89BDDC02-478B-7455-6CBC-10F052307150}"/>
+              </a:ext>
+            </a:extLst>
+          </p:cNvPr>
+          <p:cNvSpPr txBox="1"/>
+          <p:nvPr/>
+        </p:nvSpPr>
+        <p:spPr>
+          <a:xfrm>
+            <a:off x="5130800" y="4366214"/>
+            <a:ext cx="7061200" cy="1384995"/>
+          </a:xfrm>
+          <a:prstGeom prst="rect">
+            <a:avLst/>
+          </a:prstGeom>
+          <a:noFill/>
+        </p:spPr>
+        <p:txBody>
+          <a:bodyPr wrap="square" rtlCol="0">
+            <a:spAutoFit/>
+          </a:bodyPr>
+          <a:lstStyle/>
+          <a:p>
+            <a:r>
+              <a:rPr lang="it-IT" sz="2800" b="1" dirty="0"/>
+              <a:t>CARICAMENTO IN MEMORIA SOLO DELLE PARTI FONDAMENTALI DEL PROGRAMMA CON IL RESTO SUL DISCO</a:t>
+            </a:r>
+          </a:p>
+        </p:txBody>
+      </p:sp>
+    </p:spTree>
+    <p:extLst>
+      <p:ext uri="{BB962C8B-B14F-4D97-AF65-F5344CB8AC3E}">
+        <p14:creationId xmlns:p14="http://schemas.microsoft.com/office/powerpoint/2010/main" val="1873652964"/>
+      </p:ext>
+    </p:extLst>
+  </p:cSld>
+  <p:clrMapOvr>
+    <a:masterClrMapping/>
+  </p:clrMapOvr>
+  <mc:AlternateContent xmlns:mc="http://schemas.openxmlformats.org/markup-compatibility/2006">
+    <mc:Choice xmlns:p159="http://schemas.microsoft.com/office/powerpoint/2015/09/main" Requires="p159">
+      <p:transition xmlns:p14="http://schemas.microsoft.com/office/powerpoint/2010/main" spd="slow" p14:dur="2000">
+        <p159:morph option="byObject"/>
+      </p:transition>
+    </mc:Choice>
+    <mc:Fallback>
+      <p:transition spd="slow">
+        <p:fade/>
+      </p:transition>
+    </mc:Fallback>
+  </mc:AlternateContent>
+</p:sld>
+</file>
+
+<file path=ppt/slides/slide9.xml><?xml version="1.0" encoding="utf-8"?>
+<p:sld xmlns:a="http://schemas.openxmlformats.org/drawingml/2006/main" xmlns:r="http://schemas.openxmlformats.org/officeDocument/2006/relationships" xmlns:p="http://schemas.openxmlformats.org/presentationml/2006/main">
+  <p:cSld>
+    <p:spTree>
+      <p:nvGrpSpPr>
+        <p:cNvPr id="1" name="">
+          <a:extLst>
+            <a:ext uri="{FF2B5EF4-FFF2-40B4-BE49-F238E27FC236}">
+              <a16:creationId xmlns:a16="http://schemas.microsoft.com/office/drawing/2014/main" id="{C53ED4BF-E4DA-C6F2-DBEE-3325933ABE45}"/>
+            </a:ext>
+          </a:extLst>
+        </p:cNvPr>
+        <p:cNvGrpSpPr/>
+        <p:nvPr/>
+      </p:nvGrpSpPr>
+      <p:grpSpPr>
+        <a:xfrm>
+          <a:off x="0" y="0"/>
+          <a:ext cx="0" cy="0"/>
+          <a:chOff x="0" y="0"/>
+          <a:chExt cx="0" cy="0"/>
+        </a:xfrm>
+      </p:grpSpPr>
+      <p:sp>
+        <p:nvSpPr>
+          <p:cNvPr id="3" name="CasellaDiTesto 2">
+            <a:extLst>
+              <a:ext uri="{FF2B5EF4-FFF2-40B4-BE49-F238E27FC236}">
+                <a16:creationId xmlns:a16="http://schemas.microsoft.com/office/drawing/2014/main" id="{9BF6DECA-BD05-A87F-A06E-D210C406E394}"/>
+              </a:ext>
+            </a:extLst>
+          </p:cNvPr>
+          <p:cNvSpPr txBox="1"/>
+          <p:nvPr/>
+        </p:nvSpPr>
+        <p:spPr>
+          <a:xfrm>
+            <a:off x="716245" y="1507908"/>
+            <a:ext cx="10261600" cy="923330"/>
+          </a:xfrm>
+          <a:prstGeom prst="rect">
+            <a:avLst/>
+          </a:prstGeom>
+          <a:noFill/>
+        </p:spPr>
+        <p:txBody>
+          <a:bodyPr wrap="square" rtlCol="0">
+            <a:spAutoFit/>
+          </a:bodyPr>
+          <a:lstStyle/>
+          <a:p>
+            <a:pPr marL="285750" indent="-285750">
+              <a:buFont typeface="Arial" panose="020B0604020202020204" pitchFamily="34" charset="0"/>
+              <a:buChar char="•"/>
+            </a:pPr>
+            <a:r>
+              <a:rPr lang="it-IT" sz="5400" b="1" dirty="0">
+                <a:ln>
+                  <a:solidFill>
+                    <a:sysClr val="windowText" lastClr="000000"/>
+                  </a:solidFill>
+                </a:ln>
+                <a:solidFill>
+                  <a:schemeClr val="accent1">
+                    <a:lumMod val="60000"/>
+                    <a:lumOff val="40000"/>
+                  </a:schemeClr>
+                </a:solidFill>
+              </a:rPr>
+              <a:t>OVERLAY</a:t>
+            </a:r>
+            <a:endParaRPr lang="it-IT" sz="4800" b="1" dirty="0">
+              <a:ln>
+                <a:solidFill>
+                  <a:sysClr val="windowText" lastClr="000000"/>
+                </a:solidFill>
+              </a:ln>
+              <a:solidFill>
+                <a:schemeClr val="accent1">
+                  <a:lumMod val="60000"/>
+                  <a:lumOff val="40000"/>
+                </a:schemeClr>
+              </a:solidFill>
+            </a:endParaRPr>
+          </a:p>
+        </p:txBody>
+      </p:sp>
+      <p:sp>
+        <p:nvSpPr>
+          <p:cNvPr id="7" name="CasellaDiTesto 6">
+            <a:extLst>
+              <a:ext uri="{FF2B5EF4-FFF2-40B4-BE49-F238E27FC236}">
+                <a16:creationId xmlns:a16="http://schemas.microsoft.com/office/drawing/2014/main" id="{A1574ED9-7803-13E8-7853-EA3AB00DE8DD}"/>
+              </a:ext>
+            </a:extLst>
+          </p:cNvPr>
+          <p:cNvSpPr txBox="1"/>
+          <p:nvPr/>
+        </p:nvSpPr>
+        <p:spPr>
+          <a:xfrm>
+            <a:off x="5095982" y="1494971"/>
+            <a:ext cx="6588017" cy="1384995"/>
+          </a:xfrm>
+          <a:prstGeom prst="rect">
+            <a:avLst/>
+          </a:prstGeom>
+          <a:noFill/>
+        </p:spPr>
+        <p:txBody>
+          <a:bodyPr wrap="square" rtlCol="0">
+            <a:spAutoFit/>
+          </a:bodyPr>
+          <a:lstStyle/>
+          <a:p>
+            <a:r>
+              <a:rPr lang="it-IT" sz="2800" b="1" dirty="0"/>
+              <a:t>NELLA STESSA ZONA DI MEMORIA VENGONO SOVRAPPOSTE PIU SEZIONI DI PROGRAMMA</a:t>
+            </a:r>
+          </a:p>
+        </p:txBody>
+      </p:sp>
+      <p:pic>
+        <p:nvPicPr>
+          <p:cNvPr id="8" name="Picture 2" descr="Immagine che contiene schizzo, disegno, nero, bianco e nero&#10;&#10;Il contenuto generato dall&amp;#39;IA potrebbe non essere corretto.">
+            <a:extLst>
+              <a:ext uri="{FF2B5EF4-FFF2-40B4-BE49-F238E27FC236}">
+                <a16:creationId xmlns:a16="http://schemas.microsoft.com/office/drawing/2014/main" id="{2263068A-F497-C41B-59AF-8C2004836204}"/>
+              </a:ext>
+            </a:extLst>
+          </p:cNvPr>
+          <p:cNvPicPr>
+            <a:picLocks noChangeAspect="1" noChangeArrowheads="1"/>
+          </p:cNvPicPr>
+          <p:nvPr/>
+        </p:nvPicPr>
+        <p:blipFill>
+          <a:blip r:embed="rId2">
+            <a:extLst>
+              <a:ext uri="{28A0092B-C50C-407E-A947-70E740481C1C}">
+                <a14:useLocalDpi xmlns:a14="http://schemas.microsoft.com/office/drawing/2010/main" val="0"/>
+              </a:ext>
+            </a:extLst>
+          </a:blip>
+          <a:srcRect/>
+          <a:stretch>
+            <a:fillRect/>
+          </a:stretch>
+        </p:blipFill>
+        <p:spPr bwMode="auto">
+          <a:xfrm rot="1317244">
+            <a:off x="6751001" y="3717534"/>
+            <a:ext cx="1025663" cy="1025663"/>
+          </a:xfrm>
+          <a:prstGeom prst="rect">
+            <a:avLst/>
+          </a:prstGeom>
+          <a:noFill/>
+          <a:extLst>
+            <a:ext uri="{909E8E84-426E-40DD-AFC4-6F175D3DCCD1}">
+              <a14:hiddenFill xmlns:a14="http://schemas.microsoft.com/office/drawing/2010/main">
+                <a:solidFill>
+                  <a:srgbClr val="FFFFFF"/>
+                </a:solidFill>
+              </a14:hiddenFill>
+            </a:ext>
+          </a:extLst>
+        </p:spPr>
+      </p:pic>
+      <p:sp>
+        <p:nvSpPr>
+          <p:cNvPr id="9" name="CasellaDiTesto 8">
+            <a:extLst>
+              <a:ext uri="{FF2B5EF4-FFF2-40B4-BE49-F238E27FC236}">
+                <a16:creationId xmlns:a16="http://schemas.microsoft.com/office/drawing/2014/main" id="{C6D0D837-B95A-6BE2-80D9-3F2957DA00DF}"/>
+              </a:ext>
+            </a:extLst>
+          </p:cNvPr>
+          <p:cNvSpPr txBox="1"/>
+          <p:nvPr/>
+        </p:nvSpPr>
+        <p:spPr>
+          <a:xfrm>
+            <a:off x="716245" y="3562994"/>
+            <a:ext cx="6722245" cy="923330"/>
+          </a:xfrm>
+          <a:prstGeom prst="rect">
+            <a:avLst/>
+          </a:prstGeom>
+          <a:noFill/>
+        </p:spPr>
+        <p:txBody>
+          <a:bodyPr wrap="square" rtlCol="0">
+            <a:spAutoFit/>
+          </a:bodyPr>
+          <a:lstStyle/>
+          <a:p>
+            <a:pPr marL="285750" indent="-285750">
+              <a:buFont typeface="Arial" panose="020B0604020202020204" pitchFamily="34" charset="0"/>
+              <a:buChar char="•"/>
+            </a:pPr>
+            <a:r>
+              <a:rPr lang="it-IT" sz="5400" b="1" dirty="0">
+                <a:ln>
+                  <a:solidFill>
+                    <a:sysClr val="windowText" lastClr="000000"/>
+                  </a:solidFill>
+                </a:ln>
+                <a:solidFill>
+                  <a:schemeClr val="accent1">
+                    <a:lumMod val="60000"/>
+                    <a:lumOff val="40000"/>
+                  </a:schemeClr>
+                </a:solidFill>
+              </a:rPr>
+              <a:t>PARTIZIONAMENTO</a:t>
+            </a:r>
+            <a:endParaRPr lang="it-IT" sz="3600" b="1" dirty="0">
+              <a:ln>
+                <a:solidFill>
+                  <a:sysClr val="windowText" lastClr="000000"/>
+                </a:solidFill>
+              </a:ln>
+              <a:solidFill>
+                <a:schemeClr val="accent1">
+                  <a:lumMod val="60000"/>
+                  <a:lumOff val="40000"/>
+                </a:schemeClr>
+              </a:solidFill>
+            </a:endParaRPr>
+          </a:p>
+        </p:txBody>
+      </p:sp>
+      <p:sp>
+        <p:nvSpPr>
+          <p:cNvPr id="10" name="CasellaDiTesto 9">
+            <a:extLst>
+              <a:ext uri="{FF2B5EF4-FFF2-40B4-BE49-F238E27FC236}">
+                <a16:creationId xmlns:a16="http://schemas.microsoft.com/office/drawing/2014/main" id="{E774045B-9D1E-9D51-A239-F2D621287D88}"/>
+              </a:ext>
+            </a:extLst>
+          </p:cNvPr>
+          <p:cNvSpPr txBox="1"/>
+          <p:nvPr/>
+        </p:nvSpPr>
+        <p:spPr>
+          <a:xfrm>
+            <a:off x="5095982" y="4530604"/>
+            <a:ext cx="6588017" cy="954107"/>
+          </a:xfrm>
+          <a:prstGeom prst="rect">
+            <a:avLst/>
+          </a:prstGeom>
+          <a:noFill/>
+        </p:spPr>
+        <p:txBody>
+          <a:bodyPr wrap="square" rtlCol="0">
+            <a:spAutoFit/>
+          </a:bodyPr>
+          <a:lstStyle/>
+          <a:p>
+            <a:r>
+              <a:rPr lang="it-IT" sz="2800" b="1" dirty="0"/>
+              <a:t>A OGNI PROCESSO VIENE RISERVATA UNA DIMENSIONE FISSA DI MEMORIA</a:t>
+            </a:r>
+          </a:p>
+        </p:txBody>
+      </p:sp>
+      <p:pic>
+        <p:nvPicPr>
+          <p:cNvPr id="4" name="Picture 2" descr="Immagine che contiene schizzo, disegno, nero, bianco e nero&#10;&#10;Il contenuto generato dall&amp;#39;IA potrebbe non essere corretto.">
+            <a:extLst>
+              <a:ext uri="{FF2B5EF4-FFF2-40B4-BE49-F238E27FC236}">
+                <a16:creationId xmlns:a16="http://schemas.microsoft.com/office/drawing/2014/main" id="{32FDFA25-E7EE-A7B2-E8E9-BC85DCCB478F}"/>
+              </a:ext>
+            </a:extLst>
+          </p:cNvPr>
+          <p:cNvPicPr>
+            <a:picLocks noChangeAspect="1" noChangeArrowheads="1"/>
+          </p:cNvPicPr>
+          <p:nvPr/>
+        </p:nvPicPr>
+        <p:blipFill>
+          <a:blip r:embed="rId2">
+            <a:extLst>
+              <a:ext uri="{28A0092B-C50C-407E-A947-70E740481C1C}">
+                <a14:useLocalDpi xmlns:a14="http://schemas.microsoft.com/office/drawing/2010/main" val="0"/>
+              </a:ext>
+            </a:extLst>
+          </a:blip>
+          <a:srcRect/>
+          <a:stretch>
+            <a:fillRect/>
+          </a:stretch>
+        </p:blipFill>
+        <p:spPr bwMode="auto">
+          <a:xfrm>
+            <a:off x="3838223" y="1456741"/>
+            <a:ext cx="1257759" cy="1025663"/>
+          </a:xfrm>
+          <a:prstGeom prst="rect">
+            <a:avLst/>
+          </a:prstGeom>
+          <a:noFill/>
+          <a:extLst>
+            <a:ext uri="{909E8E84-426E-40DD-AFC4-6F175D3DCCD1}">
+              <a14:hiddenFill xmlns:a14="http://schemas.microsoft.com/office/drawing/2010/main">
+                <a:solidFill>
+                  <a:srgbClr val="FFFFFF"/>
+                </a:solidFill>
+              </a14:hiddenFill>
+            </a:ext>
+          </a:extLst>
+        </p:spPr>
+      </p:pic>
+    </p:spTree>
+    <p:extLst>
+      <p:ext uri="{BB962C8B-B14F-4D97-AF65-F5344CB8AC3E}">
+        <p14:creationId xmlns:p14="http://schemas.microsoft.com/office/powerpoint/2010/main" val="3917192369"/>
+      </p:ext>
+    </p:extLst>
+  </p:cSld>
+  <p:clrMapOvr>
+    <a:masterClrMapping/>
+  </p:clrMapOvr>
+  <mc:AlternateContent xmlns:mc="http://schemas.openxmlformats.org/markup-compatibility/2006">
+    <mc:Choice xmlns:p159="http://schemas.microsoft.com/office/powerpoint/2015/09/main" Requires="p159">
+      <p:transition xmlns:p14="http://schemas.microsoft.com/office/powerpoint/2010/main" spd="slow" p14:dur="2000">
+        <p159:morph option="byObject"/>
+      </p:transition>
+    </mc:Choice>
+    <mc:Fallback>
       <p:transition spd="slow">
         <p:fade/>
       </p:transition>
@@ -9086,7 +10429,7 @@
 
 <file path=ppt/webextensions/taskpanes.xml><?xml version="1.0" encoding="utf-8"?>
 <wetp:taskpanes xmlns:wetp="http://schemas.microsoft.com/office/webextensions/taskpanes/2010/11">
-  <wetp:taskpane dockstate="right" visibility="0" width="350" row="0">
+  <wetp:taskpane dockstate="right" visibility="0" width="350" row="2">
     <wetp:webextensionref xmlns:r="http://schemas.openxmlformats.org/officeDocument/2006/relationships" r:id="rId1"/>
   </wetp:taskpane>
 </wetp:taskpanes>
